--- a/Calendario2022/Presentaciones/5_ModeloTCP_IP.pptx
+++ b/Calendario2022/Presentaciones/5_ModeloTCP_IP.pptx
@@ -5,7 +5,7 @@
     <p:sldMasterId id="2147483648" r:id="rId1"/>
   </p:sldMasterIdLst>
   <p:notesMasterIdLst>
-    <p:notesMasterId r:id="rId16"/>
+    <p:notesMasterId r:id="rId19"/>
   </p:notesMasterIdLst>
   <p:sldIdLst>
     <p:sldId id="257" r:id="rId2"/>
@@ -19,9 +19,12 @@
     <p:sldId id="343" r:id="rId10"/>
     <p:sldId id="344" r:id="rId11"/>
     <p:sldId id="345" r:id="rId12"/>
-    <p:sldId id="346" r:id="rId13"/>
-    <p:sldId id="347" r:id="rId14"/>
-    <p:sldId id="348" r:id="rId15"/>
+    <p:sldId id="795" r:id="rId13"/>
+    <p:sldId id="794" r:id="rId14"/>
+    <p:sldId id="799" r:id="rId15"/>
+    <p:sldId id="800" r:id="rId16"/>
+    <p:sldId id="346" r:id="rId17"/>
+    <p:sldId id="347" r:id="rId18"/>
   </p:sldIdLst>
   <p:sldSz cx="9144000" cy="6858000" type="screen4x3"/>
   <p:notesSz cx="6858000" cy="9144000"/>
@@ -221,7 +224,7 @@
           <a:p>
             <a:fld id="{2D445F07-8756-451B-A938-0248325FC7BB}" type="datetimeFigureOut">
               <a:rPr lang="es-MX" smtClean="0"/>
-              <a:t>27/01/2022</a:t>
+              <a:t>13/03/2022</a:t>
             </a:fld>
             <a:endParaRPr lang="es-MX" dirty="0"/>
           </a:p>
@@ -855,62 +858,1054 @@
       </p:grpSpPr>
       <p:sp>
         <p:nvSpPr>
-          <p:cNvPr id="2" name="Marcador de imagen de diapositiva 1"/>
-          <p:cNvSpPr>
-            <a:spLocks noGrp="1" noRot="1" noChangeAspect="1"/>
+          <p:cNvPr id="112642" name="Rectangle 11"/>
+          <p:cNvSpPr>
+            <a:spLocks noGrp="1" noChangeArrowheads="1"/>
+          </p:cNvSpPr>
+          <p:nvPr>
+            <p:ph type="sldNum" sz="quarter" idx="5"/>
+          </p:nvPr>
+        </p:nvSpPr>
+        <p:spPr>
+          <a:noFill/>
+          <a:ln/>
+          <a:extLst>
+            <a:ext uri="{909E8E84-426E-40DD-AFC4-6F175D3DCCD1}">
+              <a14:hiddenFill xmlns:a14="http://schemas.microsoft.com/office/drawing/2010/main">
+                <a:solidFill>
+                  <a:srgbClr val="FFFFFF"/>
+                </a:solidFill>
+              </a14:hiddenFill>
+            </a:ext>
+            <a:ext uri="{91240B29-F687-4F45-9708-019B960494DF}">
+              <a14:hiddenLine xmlns:a14="http://schemas.microsoft.com/office/drawing/2010/main" w="9525">
+                <a:solidFill>
+                  <a:srgbClr val="000000"/>
+                </a:solidFill>
+                <a:miter lim="800000"/>
+                <a:headEnd/>
+                <a:tailEnd/>
+              </a14:hiddenLine>
+            </a:ext>
+          </a:extLst>
+        </p:spPr>
+        <p:txBody>
+          <a:bodyPr/>
+          <a:lstStyle>
+            <a:lvl1pPr defTabSz="882650">
+              <a:defRPr sz="2400">
+                <a:solidFill>
+                  <a:schemeClr val="tx1"/>
+                </a:solidFill>
+                <a:latin typeface="Arial" charset="0"/>
+              </a:defRPr>
+            </a:lvl1pPr>
+            <a:lvl2pPr marL="742950" indent="-285750" defTabSz="882650">
+              <a:defRPr sz="2400">
+                <a:solidFill>
+                  <a:schemeClr val="tx1"/>
+                </a:solidFill>
+                <a:latin typeface="Arial" charset="0"/>
+              </a:defRPr>
+            </a:lvl2pPr>
+            <a:lvl3pPr marL="1143000" indent="-228600" defTabSz="882650">
+              <a:defRPr sz="2400">
+                <a:solidFill>
+                  <a:schemeClr val="tx1"/>
+                </a:solidFill>
+                <a:latin typeface="Arial" charset="0"/>
+              </a:defRPr>
+            </a:lvl3pPr>
+            <a:lvl4pPr marL="1600200" indent="-228600" defTabSz="882650">
+              <a:defRPr sz="2400">
+                <a:solidFill>
+                  <a:schemeClr val="tx1"/>
+                </a:solidFill>
+                <a:latin typeface="Arial" charset="0"/>
+              </a:defRPr>
+            </a:lvl4pPr>
+            <a:lvl5pPr marL="2057400" indent="-228600" defTabSz="882650">
+              <a:defRPr sz="2400">
+                <a:solidFill>
+                  <a:schemeClr val="tx1"/>
+                </a:solidFill>
+                <a:latin typeface="Arial" charset="0"/>
+              </a:defRPr>
+            </a:lvl5pPr>
+            <a:lvl6pPr marL="2514600" indent="-228600" algn="ctr" defTabSz="882650" eaLnBrk="0" fontAlgn="base" hangingPunct="0">
+              <a:lnSpc>
+                <a:spcPct val="90000"/>
+              </a:lnSpc>
+              <a:spcBef>
+                <a:spcPct val="0"/>
+              </a:spcBef>
+              <a:spcAft>
+                <a:spcPct val="0"/>
+              </a:spcAft>
+              <a:defRPr sz="2400">
+                <a:solidFill>
+                  <a:schemeClr val="tx1"/>
+                </a:solidFill>
+                <a:latin typeface="Arial" charset="0"/>
+              </a:defRPr>
+            </a:lvl6pPr>
+            <a:lvl7pPr marL="2971800" indent="-228600" algn="ctr" defTabSz="882650" eaLnBrk="0" fontAlgn="base" hangingPunct="0">
+              <a:lnSpc>
+                <a:spcPct val="90000"/>
+              </a:lnSpc>
+              <a:spcBef>
+                <a:spcPct val="0"/>
+              </a:spcBef>
+              <a:spcAft>
+                <a:spcPct val="0"/>
+              </a:spcAft>
+              <a:defRPr sz="2400">
+                <a:solidFill>
+                  <a:schemeClr val="tx1"/>
+                </a:solidFill>
+                <a:latin typeface="Arial" charset="0"/>
+              </a:defRPr>
+            </a:lvl7pPr>
+            <a:lvl8pPr marL="3429000" indent="-228600" algn="ctr" defTabSz="882650" eaLnBrk="0" fontAlgn="base" hangingPunct="0">
+              <a:lnSpc>
+                <a:spcPct val="90000"/>
+              </a:lnSpc>
+              <a:spcBef>
+                <a:spcPct val="0"/>
+              </a:spcBef>
+              <a:spcAft>
+                <a:spcPct val="0"/>
+              </a:spcAft>
+              <a:defRPr sz="2400">
+                <a:solidFill>
+                  <a:schemeClr val="tx1"/>
+                </a:solidFill>
+                <a:latin typeface="Arial" charset="0"/>
+              </a:defRPr>
+            </a:lvl8pPr>
+            <a:lvl9pPr marL="3886200" indent="-228600" algn="ctr" defTabSz="882650" eaLnBrk="0" fontAlgn="base" hangingPunct="0">
+              <a:lnSpc>
+                <a:spcPct val="90000"/>
+              </a:lnSpc>
+              <a:spcBef>
+                <a:spcPct val="0"/>
+              </a:spcBef>
+              <a:spcAft>
+                <a:spcPct val="0"/>
+              </a:spcAft>
+              <a:defRPr sz="2400">
+                <a:solidFill>
+                  <a:schemeClr val="tx1"/>
+                </a:solidFill>
+                <a:latin typeface="Arial" charset="0"/>
+              </a:defRPr>
+            </a:lvl9pPr>
+          </a:lstStyle>
+          <a:p>
+            <a:fld id="{04267211-205D-47E8-9F29-7E4C01D43DC3}" type="slidenum">
+              <a:rPr lang="en-US" altLang="en-US" sz="800" smtClean="0"/>
+              <a:pPr/>
+              <a:t>12</a:t>
+            </a:fld>
+            <a:endParaRPr lang="es-ES" altLang="en-US" sz="800" dirty="0"/>
+          </a:p>
+        </p:txBody>
+      </p:sp>
+      <p:sp>
+        <p:nvSpPr>
+          <p:cNvPr id="112643" name="Rectangle 2"/>
+          <p:cNvSpPr>
+            <a:spLocks noGrp="1" noRot="1" noChangeAspect="1" noChangeArrowheads="1" noTextEdit="1"/>
           </p:cNvSpPr>
           <p:nvPr>
             <p:ph type="sldImg"/>
           </p:nvPr>
         </p:nvSpPr>
-        <p:spPr/>
-      </p:sp>
-      <p:sp>
-        <p:nvSpPr>
-          <p:cNvPr id="3" name="Marcador de notas 2"/>
-          <p:cNvSpPr>
-            <a:spLocks noGrp="1"/>
+        <p:spPr>
+          <a:ln/>
+        </p:spPr>
+      </p:sp>
+      <p:sp>
+        <p:nvSpPr>
+          <p:cNvPr id="112644" name="Rectangle 3"/>
+          <p:cNvSpPr>
+            <a:spLocks noGrp="1" noChangeArrowheads="1"/>
           </p:cNvSpPr>
           <p:nvPr>
             <p:ph type="body" idx="1"/>
           </p:nvPr>
         </p:nvSpPr>
-        <p:spPr/>
+        <p:spPr>
+          <a:noFill/>
+          <a:ln/>
+          <a:extLst>
+            <a:ext uri="{909E8E84-426E-40DD-AFC4-6F175D3DCCD1}">
+              <a14:hiddenFill xmlns:a14="http://schemas.microsoft.com/office/drawing/2010/main">
+                <a:solidFill>
+                  <a:srgbClr val="FFFFFF"/>
+                </a:solidFill>
+              </a14:hiddenFill>
+            </a:ext>
+            <a:ext uri="{91240B29-F687-4F45-9708-019B960494DF}">
+              <a14:hiddenLine xmlns:a14="http://schemas.microsoft.com/office/drawing/2010/main" w="9525">
+                <a:solidFill>
+                  <a:srgbClr val="000000"/>
+                </a:solidFill>
+                <a:miter lim="800000"/>
+                <a:headEnd/>
+                <a:tailEnd/>
+              </a14:hiddenLine>
+            </a:ext>
+          </a:extLst>
+        </p:spPr>
         <p:txBody>
           <a:bodyPr/>
           <a:lstStyle/>
           <a:p>
-            <a:endParaRPr lang="es-MX" dirty="0"/>
-          </a:p>
-        </p:txBody>
-      </p:sp>
-      <p:sp>
-        <p:nvSpPr>
-          <p:cNvPr id="4" name="Marcador de número de diapositiva 3"/>
-          <p:cNvSpPr>
-            <a:spLocks noGrp="1"/>
-          </p:cNvSpPr>
-          <p:nvPr>
-            <p:ph type="sldNum" sz="quarter" idx="10"/>
-          </p:nvPr>
-        </p:nvSpPr>
-        <p:spPr/>
-        <p:txBody>
-          <a:bodyPr/>
-          <a:lstStyle/>
-          <a:p>
-            <a:fld id="{5993AEC0-242E-4FA7-9D3C-51E1036AC3CB}" type="slidenum">
-              <a:rPr lang="es-MX" smtClean="0"/>
-              <a:t>14</a:t>
-            </a:fld>
-            <a:endParaRPr lang="es-MX" dirty="0"/>
+            <a:pPr>
+              <a:lnSpc>
+                <a:spcPct val="80000"/>
+              </a:lnSpc>
+              <a:buFontTx/>
+              <a:buNone/>
+            </a:pPr>
+            <a:endParaRPr lang="es-ES" b="0" dirty="0"/>
           </a:p>
         </p:txBody>
       </p:sp>
     </p:spTree>
     <p:extLst>
       <p:ext uri="{BB962C8B-B14F-4D97-AF65-F5344CB8AC3E}">
-        <p14:creationId xmlns:p14="http://schemas.microsoft.com/office/powerpoint/2010/main" val="3461423424"/>
+        <p14:creationId xmlns:p14="http://schemas.microsoft.com/office/powerpoint/2010/main" val="1278387215"/>
+      </p:ext>
+    </p:extLst>
+  </p:cSld>
+  <p:clrMapOvr>
+    <a:masterClrMapping/>
+  </p:clrMapOvr>
+</p:notes>
+</file>
+
+<file path=ppt/notesSlides/notesSlide6.xml><?xml version="1.0" encoding="utf-8"?>
+<p:notes xmlns:a="http://schemas.openxmlformats.org/drawingml/2006/main" xmlns:r="http://schemas.openxmlformats.org/officeDocument/2006/relationships" xmlns:p="http://schemas.openxmlformats.org/presentationml/2006/main">
+  <p:cSld>
+    <p:spTree>
+      <p:nvGrpSpPr>
+        <p:cNvPr id="1" name=""/>
+        <p:cNvGrpSpPr/>
+        <p:nvPr/>
+      </p:nvGrpSpPr>
+      <p:grpSpPr>
+        <a:xfrm>
+          <a:off x="0" y="0"/>
+          <a:ext cx="0" cy="0"/>
+          <a:chOff x="0" y="0"/>
+          <a:chExt cx="0" cy="0"/>
+        </a:xfrm>
+      </p:grpSpPr>
+      <p:sp>
+        <p:nvSpPr>
+          <p:cNvPr id="112642" name="Rectangle 11"/>
+          <p:cNvSpPr>
+            <a:spLocks noGrp="1" noChangeArrowheads="1"/>
+          </p:cNvSpPr>
+          <p:nvPr>
+            <p:ph type="sldNum" sz="quarter" idx="5"/>
+          </p:nvPr>
+        </p:nvSpPr>
+        <p:spPr>
+          <a:noFill/>
+          <a:ln/>
+          <a:extLst>
+            <a:ext uri="{909E8E84-426E-40DD-AFC4-6F175D3DCCD1}">
+              <a14:hiddenFill xmlns:a14="http://schemas.microsoft.com/office/drawing/2010/main">
+                <a:solidFill>
+                  <a:srgbClr val="FFFFFF"/>
+                </a:solidFill>
+              </a14:hiddenFill>
+            </a:ext>
+            <a:ext uri="{91240B29-F687-4F45-9708-019B960494DF}">
+              <a14:hiddenLine xmlns:a14="http://schemas.microsoft.com/office/drawing/2010/main" w="9525">
+                <a:solidFill>
+                  <a:srgbClr val="000000"/>
+                </a:solidFill>
+                <a:miter lim="800000"/>
+                <a:headEnd/>
+                <a:tailEnd/>
+              </a14:hiddenLine>
+            </a:ext>
+          </a:extLst>
+        </p:spPr>
+        <p:txBody>
+          <a:bodyPr/>
+          <a:lstStyle>
+            <a:lvl1pPr defTabSz="882650">
+              <a:defRPr sz="2400">
+                <a:solidFill>
+                  <a:schemeClr val="tx1"/>
+                </a:solidFill>
+                <a:latin typeface="Arial" charset="0"/>
+              </a:defRPr>
+            </a:lvl1pPr>
+            <a:lvl2pPr marL="742950" indent="-285750" defTabSz="882650">
+              <a:defRPr sz="2400">
+                <a:solidFill>
+                  <a:schemeClr val="tx1"/>
+                </a:solidFill>
+                <a:latin typeface="Arial" charset="0"/>
+              </a:defRPr>
+            </a:lvl2pPr>
+            <a:lvl3pPr marL="1143000" indent="-228600" defTabSz="882650">
+              <a:defRPr sz="2400">
+                <a:solidFill>
+                  <a:schemeClr val="tx1"/>
+                </a:solidFill>
+                <a:latin typeface="Arial" charset="0"/>
+              </a:defRPr>
+            </a:lvl3pPr>
+            <a:lvl4pPr marL="1600200" indent="-228600" defTabSz="882650">
+              <a:defRPr sz="2400">
+                <a:solidFill>
+                  <a:schemeClr val="tx1"/>
+                </a:solidFill>
+                <a:latin typeface="Arial" charset="0"/>
+              </a:defRPr>
+            </a:lvl4pPr>
+            <a:lvl5pPr marL="2057400" indent="-228600" defTabSz="882650">
+              <a:defRPr sz="2400">
+                <a:solidFill>
+                  <a:schemeClr val="tx1"/>
+                </a:solidFill>
+                <a:latin typeface="Arial" charset="0"/>
+              </a:defRPr>
+            </a:lvl5pPr>
+            <a:lvl6pPr marL="2514600" indent="-228600" algn="ctr" defTabSz="882650" eaLnBrk="0" fontAlgn="base" hangingPunct="0">
+              <a:lnSpc>
+                <a:spcPct val="90000"/>
+              </a:lnSpc>
+              <a:spcBef>
+                <a:spcPct val="0"/>
+              </a:spcBef>
+              <a:spcAft>
+                <a:spcPct val="0"/>
+              </a:spcAft>
+              <a:defRPr sz="2400">
+                <a:solidFill>
+                  <a:schemeClr val="tx1"/>
+                </a:solidFill>
+                <a:latin typeface="Arial" charset="0"/>
+              </a:defRPr>
+            </a:lvl6pPr>
+            <a:lvl7pPr marL="2971800" indent="-228600" algn="ctr" defTabSz="882650" eaLnBrk="0" fontAlgn="base" hangingPunct="0">
+              <a:lnSpc>
+                <a:spcPct val="90000"/>
+              </a:lnSpc>
+              <a:spcBef>
+                <a:spcPct val="0"/>
+              </a:spcBef>
+              <a:spcAft>
+                <a:spcPct val="0"/>
+              </a:spcAft>
+              <a:defRPr sz="2400">
+                <a:solidFill>
+                  <a:schemeClr val="tx1"/>
+                </a:solidFill>
+                <a:latin typeface="Arial" charset="0"/>
+              </a:defRPr>
+            </a:lvl7pPr>
+            <a:lvl8pPr marL="3429000" indent="-228600" algn="ctr" defTabSz="882650" eaLnBrk="0" fontAlgn="base" hangingPunct="0">
+              <a:lnSpc>
+                <a:spcPct val="90000"/>
+              </a:lnSpc>
+              <a:spcBef>
+                <a:spcPct val="0"/>
+              </a:spcBef>
+              <a:spcAft>
+                <a:spcPct val="0"/>
+              </a:spcAft>
+              <a:defRPr sz="2400">
+                <a:solidFill>
+                  <a:schemeClr val="tx1"/>
+                </a:solidFill>
+                <a:latin typeface="Arial" charset="0"/>
+              </a:defRPr>
+            </a:lvl8pPr>
+            <a:lvl9pPr marL="3886200" indent="-228600" algn="ctr" defTabSz="882650" eaLnBrk="0" fontAlgn="base" hangingPunct="0">
+              <a:lnSpc>
+                <a:spcPct val="90000"/>
+              </a:lnSpc>
+              <a:spcBef>
+                <a:spcPct val="0"/>
+              </a:spcBef>
+              <a:spcAft>
+                <a:spcPct val="0"/>
+              </a:spcAft>
+              <a:defRPr sz="2400">
+                <a:solidFill>
+                  <a:schemeClr val="tx1"/>
+                </a:solidFill>
+                <a:latin typeface="Arial" charset="0"/>
+              </a:defRPr>
+            </a:lvl9pPr>
+          </a:lstStyle>
+          <a:p>
+            <a:fld id="{04267211-205D-47E8-9F29-7E4C01D43DC3}" type="slidenum">
+              <a:rPr lang="en-US" altLang="en-US" sz="800" smtClean="0"/>
+              <a:pPr/>
+              <a:t>13</a:t>
+            </a:fld>
+            <a:endParaRPr lang="es-ES" altLang="en-US" sz="800" dirty="0"/>
+          </a:p>
+        </p:txBody>
+      </p:sp>
+      <p:sp>
+        <p:nvSpPr>
+          <p:cNvPr id="112643" name="Rectangle 2"/>
+          <p:cNvSpPr>
+            <a:spLocks noGrp="1" noRot="1" noChangeAspect="1" noChangeArrowheads="1" noTextEdit="1"/>
+          </p:cNvSpPr>
+          <p:nvPr>
+            <p:ph type="sldImg"/>
+          </p:nvPr>
+        </p:nvSpPr>
+        <p:spPr>
+          <a:ln/>
+        </p:spPr>
+      </p:sp>
+      <p:sp>
+        <p:nvSpPr>
+          <p:cNvPr id="112644" name="Rectangle 3"/>
+          <p:cNvSpPr>
+            <a:spLocks noGrp="1" noChangeArrowheads="1"/>
+          </p:cNvSpPr>
+          <p:nvPr>
+            <p:ph type="body" idx="1"/>
+          </p:nvPr>
+        </p:nvSpPr>
+        <p:spPr>
+          <a:noFill/>
+          <a:ln/>
+          <a:extLst>
+            <a:ext uri="{909E8E84-426E-40DD-AFC4-6F175D3DCCD1}">
+              <a14:hiddenFill xmlns:a14="http://schemas.microsoft.com/office/drawing/2010/main">
+                <a:solidFill>
+                  <a:srgbClr val="FFFFFF"/>
+                </a:solidFill>
+              </a14:hiddenFill>
+            </a:ext>
+            <a:ext uri="{91240B29-F687-4F45-9708-019B960494DF}">
+              <a14:hiddenLine xmlns:a14="http://schemas.microsoft.com/office/drawing/2010/main" w="9525">
+                <a:solidFill>
+                  <a:srgbClr val="000000"/>
+                </a:solidFill>
+                <a:miter lim="800000"/>
+                <a:headEnd/>
+                <a:tailEnd/>
+              </a14:hiddenLine>
+            </a:ext>
+          </a:extLst>
+        </p:spPr>
+        <p:txBody>
+          <a:bodyPr/>
+          <a:lstStyle/>
+          <a:p>
+            <a:pPr>
+              <a:lnSpc>
+                <a:spcPct val="80000"/>
+              </a:lnSpc>
+              <a:buFontTx/>
+              <a:buNone/>
+            </a:pPr>
+            <a:endParaRPr lang="es-ES" b="0" dirty="0"/>
+          </a:p>
+        </p:txBody>
+      </p:sp>
+    </p:spTree>
+    <p:extLst>
+      <p:ext uri="{BB962C8B-B14F-4D97-AF65-F5344CB8AC3E}">
+        <p14:creationId xmlns:p14="http://schemas.microsoft.com/office/powerpoint/2010/main" val="3323832487"/>
+      </p:ext>
+    </p:extLst>
+  </p:cSld>
+  <p:clrMapOvr>
+    <a:masterClrMapping/>
+  </p:clrMapOvr>
+</p:notes>
+</file>
+
+<file path=ppt/notesSlides/notesSlide7.xml><?xml version="1.0" encoding="utf-8"?>
+<p:notes xmlns:a="http://schemas.openxmlformats.org/drawingml/2006/main" xmlns:r="http://schemas.openxmlformats.org/officeDocument/2006/relationships" xmlns:p="http://schemas.openxmlformats.org/presentationml/2006/main">
+  <p:cSld>
+    <p:spTree>
+      <p:nvGrpSpPr>
+        <p:cNvPr id="1" name=""/>
+        <p:cNvGrpSpPr/>
+        <p:nvPr/>
+      </p:nvGrpSpPr>
+      <p:grpSpPr>
+        <a:xfrm>
+          <a:off x="0" y="0"/>
+          <a:ext cx="0" cy="0"/>
+          <a:chOff x="0" y="0"/>
+          <a:chExt cx="0" cy="0"/>
+        </a:xfrm>
+      </p:grpSpPr>
+      <p:sp>
+        <p:nvSpPr>
+          <p:cNvPr id="112642" name="Rectangle 11"/>
+          <p:cNvSpPr>
+            <a:spLocks noGrp="1" noChangeArrowheads="1"/>
+          </p:cNvSpPr>
+          <p:nvPr>
+            <p:ph type="sldNum" sz="quarter" idx="5"/>
+          </p:nvPr>
+        </p:nvSpPr>
+        <p:spPr>
+          <a:noFill/>
+          <a:ln/>
+          <a:extLst>
+            <a:ext uri="{909E8E84-426E-40DD-AFC4-6F175D3DCCD1}">
+              <a14:hiddenFill xmlns:a14="http://schemas.microsoft.com/office/drawing/2010/main">
+                <a:solidFill>
+                  <a:srgbClr val="FFFFFF"/>
+                </a:solidFill>
+              </a14:hiddenFill>
+            </a:ext>
+            <a:ext uri="{91240B29-F687-4F45-9708-019B960494DF}">
+              <a14:hiddenLine xmlns:a14="http://schemas.microsoft.com/office/drawing/2010/main" w="9525">
+                <a:solidFill>
+                  <a:srgbClr val="000000"/>
+                </a:solidFill>
+                <a:miter lim="800000"/>
+                <a:headEnd/>
+                <a:tailEnd/>
+              </a14:hiddenLine>
+            </a:ext>
+          </a:extLst>
+        </p:spPr>
+        <p:txBody>
+          <a:bodyPr/>
+          <a:lstStyle>
+            <a:lvl1pPr defTabSz="882650">
+              <a:defRPr sz="2400">
+                <a:solidFill>
+                  <a:schemeClr val="tx1"/>
+                </a:solidFill>
+                <a:latin typeface="Arial" charset="0"/>
+              </a:defRPr>
+            </a:lvl1pPr>
+            <a:lvl2pPr marL="742950" indent="-285750" defTabSz="882650">
+              <a:defRPr sz="2400">
+                <a:solidFill>
+                  <a:schemeClr val="tx1"/>
+                </a:solidFill>
+                <a:latin typeface="Arial" charset="0"/>
+              </a:defRPr>
+            </a:lvl2pPr>
+            <a:lvl3pPr marL="1143000" indent="-228600" defTabSz="882650">
+              <a:defRPr sz="2400">
+                <a:solidFill>
+                  <a:schemeClr val="tx1"/>
+                </a:solidFill>
+                <a:latin typeface="Arial" charset="0"/>
+              </a:defRPr>
+            </a:lvl3pPr>
+            <a:lvl4pPr marL="1600200" indent="-228600" defTabSz="882650">
+              <a:defRPr sz="2400">
+                <a:solidFill>
+                  <a:schemeClr val="tx1"/>
+                </a:solidFill>
+                <a:latin typeface="Arial" charset="0"/>
+              </a:defRPr>
+            </a:lvl4pPr>
+            <a:lvl5pPr marL="2057400" indent="-228600" defTabSz="882650">
+              <a:defRPr sz="2400">
+                <a:solidFill>
+                  <a:schemeClr val="tx1"/>
+                </a:solidFill>
+                <a:latin typeface="Arial" charset="0"/>
+              </a:defRPr>
+            </a:lvl5pPr>
+            <a:lvl6pPr marL="2514600" indent="-228600" algn="ctr" defTabSz="882650" eaLnBrk="0" fontAlgn="base" hangingPunct="0">
+              <a:lnSpc>
+                <a:spcPct val="90000"/>
+              </a:lnSpc>
+              <a:spcBef>
+                <a:spcPct val="0"/>
+              </a:spcBef>
+              <a:spcAft>
+                <a:spcPct val="0"/>
+              </a:spcAft>
+              <a:defRPr sz="2400">
+                <a:solidFill>
+                  <a:schemeClr val="tx1"/>
+                </a:solidFill>
+                <a:latin typeface="Arial" charset="0"/>
+              </a:defRPr>
+            </a:lvl6pPr>
+            <a:lvl7pPr marL="2971800" indent="-228600" algn="ctr" defTabSz="882650" eaLnBrk="0" fontAlgn="base" hangingPunct="0">
+              <a:lnSpc>
+                <a:spcPct val="90000"/>
+              </a:lnSpc>
+              <a:spcBef>
+                <a:spcPct val="0"/>
+              </a:spcBef>
+              <a:spcAft>
+                <a:spcPct val="0"/>
+              </a:spcAft>
+              <a:defRPr sz="2400">
+                <a:solidFill>
+                  <a:schemeClr val="tx1"/>
+                </a:solidFill>
+                <a:latin typeface="Arial" charset="0"/>
+              </a:defRPr>
+            </a:lvl7pPr>
+            <a:lvl8pPr marL="3429000" indent="-228600" algn="ctr" defTabSz="882650" eaLnBrk="0" fontAlgn="base" hangingPunct="0">
+              <a:lnSpc>
+                <a:spcPct val="90000"/>
+              </a:lnSpc>
+              <a:spcBef>
+                <a:spcPct val="0"/>
+              </a:spcBef>
+              <a:spcAft>
+                <a:spcPct val="0"/>
+              </a:spcAft>
+              <a:defRPr sz="2400">
+                <a:solidFill>
+                  <a:schemeClr val="tx1"/>
+                </a:solidFill>
+                <a:latin typeface="Arial" charset="0"/>
+              </a:defRPr>
+            </a:lvl8pPr>
+            <a:lvl9pPr marL="3886200" indent="-228600" algn="ctr" defTabSz="882650" eaLnBrk="0" fontAlgn="base" hangingPunct="0">
+              <a:lnSpc>
+                <a:spcPct val="90000"/>
+              </a:lnSpc>
+              <a:spcBef>
+                <a:spcPct val="0"/>
+              </a:spcBef>
+              <a:spcAft>
+                <a:spcPct val="0"/>
+              </a:spcAft>
+              <a:defRPr sz="2400">
+                <a:solidFill>
+                  <a:schemeClr val="tx1"/>
+                </a:solidFill>
+                <a:latin typeface="Arial" charset="0"/>
+              </a:defRPr>
+            </a:lvl9pPr>
+          </a:lstStyle>
+          <a:p>
+            <a:fld id="{04267211-205D-47E8-9F29-7E4C01D43DC3}" type="slidenum">
+              <a:rPr lang="en-US" altLang="en-US" sz="800" smtClean="0"/>
+              <a:pPr/>
+              <a:t>14</a:t>
+            </a:fld>
+            <a:endParaRPr lang="es-ES" altLang="en-US" sz="800" dirty="0"/>
+          </a:p>
+        </p:txBody>
+      </p:sp>
+      <p:sp>
+        <p:nvSpPr>
+          <p:cNvPr id="112643" name="Rectangle 2"/>
+          <p:cNvSpPr>
+            <a:spLocks noGrp="1" noRot="1" noChangeAspect="1" noChangeArrowheads="1" noTextEdit="1"/>
+          </p:cNvSpPr>
+          <p:nvPr>
+            <p:ph type="sldImg"/>
+          </p:nvPr>
+        </p:nvSpPr>
+        <p:spPr>
+          <a:ln/>
+        </p:spPr>
+      </p:sp>
+      <p:sp>
+        <p:nvSpPr>
+          <p:cNvPr id="112644" name="Rectangle 3"/>
+          <p:cNvSpPr>
+            <a:spLocks noGrp="1" noChangeArrowheads="1"/>
+          </p:cNvSpPr>
+          <p:nvPr>
+            <p:ph type="body" idx="1"/>
+          </p:nvPr>
+        </p:nvSpPr>
+        <p:spPr>
+          <a:noFill/>
+          <a:ln/>
+          <a:extLst>
+            <a:ext uri="{909E8E84-426E-40DD-AFC4-6F175D3DCCD1}">
+              <a14:hiddenFill xmlns:a14="http://schemas.microsoft.com/office/drawing/2010/main">
+                <a:solidFill>
+                  <a:srgbClr val="FFFFFF"/>
+                </a:solidFill>
+              </a14:hiddenFill>
+            </a:ext>
+            <a:ext uri="{91240B29-F687-4F45-9708-019B960494DF}">
+              <a14:hiddenLine xmlns:a14="http://schemas.microsoft.com/office/drawing/2010/main" w="9525">
+                <a:solidFill>
+                  <a:srgbClr val="000000"/>
+                </a:solidFill>
+                <a:miter lim="800000"/>
+                <a:headEnd/>
+                <a:tailEnd/>
+              </a14:hiddenLine>
+            </a:ext>
+          </a:extLst>
+        </p:spPr>
+        <p:txBody>
+          <a:bodyPr/>
+          <a:lstStyle/>
+          <a:p>
+            <a:pPr>
+              <a:lnSpc>
+                <a:spcPct val="80000"/>
+              </a:lnSpc>
+              <a:buFontTx/>
+              <a:buNone/>
+            </a:pPr>
+            <a:r>
+              <a:rPr lang="es-ES" sz="1200" kern="1200" dirty="0">
+                <a:solidFill>
+                  <a:schemeClr val="tx1"/>
+                </a:solidFill>
+                <a:latin typeface="Arial" charset="0"/>
+              </a:rPr>
+              <a:t>3.2 – Protocolos y estándares de red</a:t>
+            </a:r>
+            <a:endParaRPr lang="es-ES" sz="1200" kern="1200" dirty="0">
+              <a:solidFill>
+                <a:schemeClr val="tx1"/>
+              </a:solidFill>
+              <a:latin typeface="Arial" charset="0"/>
+              <a:ea typeface="ＭＳ Ｐゴシック" charset="0"/>
+              <a:cs typeface="ＭＳ Ｐゴシック" charset="0"/>
+            </a:endParaRPr>
+          </a:p>
+          <a:p>
+            <a:pPr>
+              <a:lnSpc>
+                <a:spcPct val="80000"/>
+              </a:lnSpc>
+              <a:buFontTx/>
+              <a:buNone/>
+            </a:pPr>
+            <a:r>
+              <a:rPr lang="es-ES" dirty="0">
+                <a:latin typeface="Arial" charset="0"/>
+              </a:rPr>
+              <a:t>3.2.2 – </a:t>
+            </a:r>
+            <a:r>
+              <a:rPr lang="es-ES" altLang="en-US" sz="1200" dirty="0"/>
+              <a:t>Suites de protocolos</a:t>
+            </a:r>
+          </a:p>
+          <a:p>
+            <a:r>
+              <a:rPr lang="es-ES" dirty="0">
+                <a:latin typeface="Arial" charset="0"/>
+              </a:rPr>
+              <a:t>3.2.2.4 – Proceso de comunicación TCP/IP</a:t>
+            </a:r>
+            <a:endParaRPr lang="es-ES" b="0" dirty="0"/>
+          </a:p>
+        </p:txBody>
+      </p:sp>
+    </p:spTree>
+    <p:extLst>
+      <p:ext uri="{BB962C8B-B14F-4D97-AF65-F5344CB8AC3E}">
+        <p14:creationId xmlns:p14="http://schemas.microsoft.com/office/powerpoint/2010/main" val="2724194285"/>
+      </p:ext>
+    </p:extLst>
+  </p:cSld>
+  <p:clrMapOvr>
+    <a:masterClrMapping/>
+  </p:clrMapOvr>
+</p:notes>
+</file>
+
+<file path=ppt/notesSlides/notesSlide8.xml><?xml version="1.0" encoding="utf-8"?>
+<p:notes xmlns:a="http://schemas.openxmlformats.org/drawingml/2006/main" xmlns:r="http://schemas.openxmlformats.org/officeDocument/2006/relationships" xmlns:p="http://schemas.openxmlformats.org/presentationml/2006/main">
+  <p:cSld>
+    <p:spTree>
+      <p:nvGrpSpPr>
+        <p:cNvPr id="1" name=""/>
+        <p:cNvGrpSpPr/>
+        <p:nvPr/>
+      </p:nvGrpSpPr>
+      <p:grpSpPr>
+        <a:xfrm>
+          <a:off x="0" y="0"/>
+          <a:ext cx="0" cy="0"/>
+          <a:chOff x="0" y="0"/>
+          <a:chExt cx="0" cy="0"/>
+        </a:xfrm>
+      </p:grpSpPr>
+      <p:sp>
+        <p:nvSpPr>
+          <p:cNvPr id="112642" name="Rectangle 11"/>
+          <p:cNvSpPr>
+            <a:spLocks noGrp="1" noChangeArrowheads="1"/>
+          </p:cNvSpPr>
+          <p:nvPr>
+            <p:ph type="sldNum" sz="quarter" idx="5"/>
+          </p:nvPr>
+        </p:nvSpPr>
+        <p:spPr>
+          <a:noFill/>
+          <a:ln/>
+          <a:extLst>
+            <a:ext uri="{909E8E84-426E-40DD-AFC4-6F175D3DCCD1}">
+              <a14:hiddenFill xmlns:a14="http://schemas.microsoft.com/office/drawing/2010/main">
+                <a:solidFill>
+                  <a:srgbClr val="FFFFFF"/>
+                </a:solidFill>
+              </a14:hiddenFill>
+            </a:ext>
+            <a:ext uri="{91240B29-F687-4F45-9708-019B960494DF}">
+              <a14:hiddenLine xmlns:a14="http://schemas.microsoft.com/office/drawing/2010/main" w="9525">
+                <a:solidFill>
+                  <a:srgbClr val="000000"/>
+                </a:solidFill>
+                <a:miter lim="800000"/>
+                <a:headEnd/>
+                <a:tailEnd/>
+              </a14:hiddenLine>
+            </a:ext>
+          </a:extLst>
+        </p:spPr>
+        <p:txBody>
+          <a:bodyPr/>
+          <a:lstStyle>
+            <a:lvl1pPr defTabSz="882650">
+              <a:defRPr sz="2400">
+                <a:solidFill>
+                  <a:schemeClr val="tx1"/>
+                </a:solidFill>
+                <a:latin typeface="Arial" charset="0"/>
+              </a:defRPr>
+            </a:lvl1pPr>
+            <a:lvl2pPr marL="742950" indent="-285750" defTabSz="882650">
+              <a:defRPr sz="2400">
+                <a:solidFill>
+                  <a:schemeClr val="tx1"/>
+                </a:solidFill>
+                <a:latin typeface="Arial" charset="0"/>
+              </a:defRPr>
+            </a:lvl2pPr>
+            <a:lvl3pPr marL="1143000" indent="-228600" defTabSz="882650">
+              <a:defRPr sz="2400">
+                <a:solidFill>
+                  <a:schemeClr val="tx1"/>
+                </a:solidFill>
+                <a:latin typeface="Arial" charset="0"/>
+              </a:defRPr>
+            </a:lvl3pPr>
+            <a:lvl4pPr marL="1600200" indent="-228600" defTabSz="882650">
+              <a:defRPr sz="2400">
+                <a:solidFill>
+                  <a:schemeClr val="tx1"/>
+                </a:solidFill>
+                <a:latin typeface="Arial" charset="0"/>
+              </a:defRPr>
+            </a:lvl4pPr>
+            <a:lvl5pPr marL="2057400" indent="-228600" defTabSz="882650">
+              <a:defRPr sz="2400">
+                <a:solidFill>
+                  <a:schemeClr val="tx1"/>
+                </a:solidFill>
+                <a:latin typeface="Arial" charset="0"/>
+              </a:defRPr>
+            </a:lvl5pPr>
+            <a:lvl6pPr marL="2514600" indent="-228600" algn="ctr" defTabSz="882650" eaLnBrk="0" fontAlgn="base" hangingPunct="0">
+              <a:lnSpc>
+                <a:spcPct val="90000"/>
+              </a:lnSpc>
+              <a:spcBef>
+                <a:spcPct val="0"/>
+              </a:spcBef>
+              <a:spcAft>
+                <a:spcPct val="0"/>
+              </a:spcAft>
+              <a:defRPr sz="2400">
+                <a:solidFill>
+                  <a:schemeClr val="tx1"/>
+                </a:solidFill>
+                <a:latin typeface="Arial" charset="0"/>
+              </a:defRPr>
+            </a:lvl6pPr>
+            <a:lvl7pPr marL="2971800" indent="-228600" algn="ctr" defTabSz="882650" eaLnBrk="0" fontAlgn="base" hangingPunct="0">
+              <a:lnSpc>
+                <a:spcPct val="90000"/>
+              </a:lnSpc>
+              <a:spcBef>
+                <a:spcPct val="0"/>
+              </a:spcBef>
+              <a:spcAft>
+                <a:spcPct val="0"/>
+              </a:spcAft>
+              <a:defRPr sz="2400">
+                <a:solidFill>
+                  <a:schemeClr val="tx1"/>
+                </a:solidFill>
+                <a:latin typeface="Arial" charset="0"/>
+              </a:defRPr>
+            </a:lvl7pPr>
+            <a:lvl8pPr marL="3429000" indent="-228600" algn="ctr" defTabSz="882650" eaLnBrk="0" fontAlgn="base" hangingPunct="0">
+              <a:lnSpc>
+                <a:spcPct val="90000"/>
+              </a:lnSpc>
+              <a:spcBef>
+                <a:spcPct val="0"/>
+              </a:spcBef>
+              <a:spcAft>
+                <a:spcPct val="0"/>
+              </a:spcAft>
+              <a:defRPr sz="2400">
+                <a:solidFill>
+                  <a:schemeClr val="tx1"/>
+                </a:solidFill>
+                <a:latin typeface="Arial" charset="0"/>
+              </a:defRPr>
+            </a:lvl8pPr>
+            <a:lvl9pPr marL="3886200" indent="-228600" algn="ctr" defTabSz="882650" eaLnBrk="0" fontAlgn="base" hangingPunct="0">
+              <a:lnSpc>
+                <a:spcPct val="90000"/>
+              </a:lnSpc>
+              <a:spcBef>
+                <a:spcPct val="0"/>
+              </a:spcBef>
+              <a:spcAft>
+                <a:spcPct val="0"/>
+              </a:spcAft>
+              <a:defRPr sz="2400">
+                <a:solidFill>
+                  <a:schemeClr val="tx1"/>
+                </a:solidFill>
+                <a:latin typeface="Arial" charset="0"/>
+              </a:defRPr>
+            </a:lvl9pPr>
+          </a:lstStyle>
+          <a:p>
+            <a:fld id="{04267211-205D-47E8-9F29-7E4C01D43DC3}" type="slidenum">
+              <a:rPr lang="en-US" altLang="en-US" sz="800" smtClean="0"/>
+              <a:pPr/>
+              <a:t>15</a:t>
+            </a:fld>
+            <a:endParaRPr lang="es-ES" altLang="en-US" sz="800" dirty="0"/>
+          </a:p>
+        </p:txBody>
+      </p:sp>
+      <p:sp>
+        <p:nvSpPr>
+          <p:cNvPr id="112643" name="Rectangle 2"/>
+          <p:cNvSpPr>
+            <a:spLocks noGrp="1" noRot="1" noChangeAspect="1" noChangeArrowheads="1" noTextEdit="1"/>
+          </p:cNvSpPr>
+          <p:nvPr>
+            <p:ph type="sldImg"/>
+          </p:nvPr>
+        </p:nvSpPr>
+        <p:spPr>
+          <a:ln/>
+        </p:spPr>
+      </p:sp>
+      <p:sp>
+        <p:nvSpPr>
+          <p:cNvPr id="112644" name="Rectangle 3"/>
+          <p:cNvSpPr>
+            <a:spLocks noGrp="1" noChangeArrowheads="1"/>
+          </p:cNvSpPr>
+          <p:nvPr>
+            <p:ph type="body" idx="1"/>
+          </p:nvPr>
+        </p:nvSpPr>
+        <p:spPr>
+          <a:noFill/>
+          <a:ln/>
+          <a:extLst>
+            <a:ext uri="{909E8E84-426E-40DD-AFC4-6F175D3DCCD1}">
+              <a14:hiddenFill xmlns:a14="http://schemas.microsoft.com/office/drawing/2010/main">
+                <a:solidFill>
+                  <a:srgbClr val="FFFFFF"/>
+                </a:solidFill>
+              </a14:hiddenFill>
+            </a:ext>
+            <a:ext uri="{91240B29-F687-4F45-9708-019B960494DF}">
+              <a14:hiddenLine xmlns:a14="http://schemas.microsoft.com/office/drawing/2010/main" w="9525">
+                <a:solidFill>
+                  <a:srgbClr val="000000"/>
+                </a:solidFill>
+                <a:miter lim="800000"/>
+                <a:headEnd/>
+                <a:tailEnd/>
+              </a14:hiddenLine>
+            </a:ext>
+          </a:extLst>
+        </p:spPr>
+        <p:txBody>
+          <a:bodyPr/>
+          <a:lstStyle/>
+          <a:p>
+            <a:pPr>
+              <a:lnSpc>
+                <a:spcPct val="80000"/>
+              </a:lnSpc>
+              <a:buFontTx/>
+              <a:buNone/>
+            </a:pPr>
+            <a:r>
+              <a:rPr lang="es-ES" sz="1200" kern="1200" dirty="0">
+                <a:solidFill>
+                  <a:schemeClr val="tx1"/>
+                </a:solidFill>
+                <a:latin typeface="Arial" charset="0"/>
+              </a:rPr>
+              <a:t>3.2 – Protocolos y estándares de red</a:t>
+            </a:r>
+            <a:endParaRPr lang="es-ES" sz="1200" kern="1200" dirty="0">
+              <a:solidFill>
+                <a:schemeClr val="tx1"/>
+              </a:solidFill>
+              <a:latin typeface="Arial" charset="0"/>
+              <a:ea typeface="ＭＳ Ｐゴシック" charset="0"/>
+              <a:cs typeface="ＭＳ Ｐゴシック" charset="0"/>
+            </a:endParaRPr>
+          </a:p>
+          <a:p>
+            <a:pPr>
+              <a:lnSpc>
+                <a:spcPct val="80000"/>
+              </a:lnSpc>
+              <a:buFontTx/>
+              <a:buNone/>
+            </a:pPr>
+            <a:r>
+              <a:rPr lang="es-ES" dirty="0">
+                <a:latin typeface="Arial" charset="0"/>
+              </a:rPr>
+              <a:t>3.2.2 – </a:t>
+            </a:r>
+            <a:r>
+              <a:rPr lang="es-ES" altLang="en-US" sz="1200" dirty="0"/>
+              <a:t>Suites de protocolos</a:t>
+            </a:r>
+          </a:p>
+          <a:p>
+            <a:r>
+              <a:rPr lang="es-ES" dirty="0">
+                <a:latin typeface="Arial" charset="0"/>
+              </a:rPr>
+              <a:t>3.2.2.4 – Proceso de comunicación TCP/IP</a:t>
+            </a:r>
+            <a:endParaRPr lang="es-ES" b="0" dirty="0"/>
+          </a:p>
+        </p:txBody>
+      </p:sp>
+    </p:spTree>
+    <p:extLst>
+      <p:ext uri="{BB962C8B-B14F-4D97-AF65-F5344CB8AC3E}">
+        <p14:creationId xmlns:p14="http://schemas.microsoft.com/office/powerpoint/2010/main" val="1708579756"/>
       </p:ext>
     </p:extLst>
   </p:cSld>
@@ -1101,7 +2096,7 @@
           <a:p>
             <a:fld id="{5E75A0DC-66C6-4CEC-A5EB-F8C97CEC3796}" type="datetimeFigureOut">
               <a:rPr lang="es-MX" smtClean="0"/>
-              <a:t>27/01/2022</a:t>
+              <a:t>13/03/2022</a:t>
             </a:fld>
             <a:endParaRPr lang="es-MX" dirty="0"/>
           </a:p>
@@ -1271,7 +2266,7 @@
           <a:p>
             <a:fld id="{5E75A0DC-66C6-4CEC-A5EB-F8C97CEC3796}" type="datetimeFigureOut">
               <a:rPr lang="es-MX" smtClean="0"/>
-              <a:t>27/01/2022</a:t>
+              <a:t>13/03/2022</a:t>
             </a:fld>
             <a:endParaRPr lang="es-MX" dirty="0"/>
           </a:p>
@@ -1451,7 +2446,7 @@
           <a:p>
             <a:fld id="{5E75A0DC-66C6-4CEC-A5EB-F8C97CEC3796}" type="datetimeFigureOut">
               <a:rPr lang="es-MX" smtClean="0"/>
-              <a:t>27/01/2022</a:t>
+              <a:t>13/03/2022</a:t>
             </a:fld>
             <a:endParaRPr lang="es-MX" dirty="0"/>
           </a:p>
@@ -1509,6 +2504,311 @@
   <p:clrMapOvr>
     <a:masterClrMapping/>
   </p:clrMapOvr>
+</p:sldLayout>
+</file>
+
+<file path=ppt/slideLayouts/slideLayout12.xml><?xml version="1.0" encoding="utf-8"?>
+<p:sldLayout xmlns:a="http://schemas.openxmlformats.org/drawingml/2006/main" xmlns:r="http://schemas.openxmlformats.org/officeDocument/2006/relationships" xmlns:p="http://schemas.openxmlformats.org/presentationml/2006/main" userDrawn="1">
+  <p:cSld name="Title and Content">
+    <p:spTree>
+      <p:nvGrpSpPr>
+        <p:cNvPr id="1" name=""/>
+        <p:cNvGrpSpPr/>
+        <p:nvPr/>
+      </p:nvGrpSpPr>
+      <p:grpSpPr>
+        <a:xfrm>
+          <a:off x="0" y="0"/>
+          <a:ext cx="0" cy="0"/>
+          <a:chOff x="0" y="0"/>
+          <a:chExt cx="0" cy="0"/>
+        </a:xfrm>
+      </p:grpSpPr>
+      <p:sp>
+        <p:nvSpPr>
+          <p:cNvPr id="4" name="Slide Number Placeholder 6"/>
+          <p:cNvSpPr>
+            <a:spLocks noGrp="1"/>
+          </p:cNvSpPr>
+          <p:nvPr>
+            <p:ph type="sldNum" sz="quarter" idx="4"/>
+          </p:nvPr>
+        </p:nvSpPr>
+        <p:spPr>
+          <a:xfrm>
+            <a:off x="8473441" y="6605684"/>
+            <a:ext cx="676910" cy="252317"/>
+          </a:xfrm>
+          <a:prstGeom prst="rect">
+            <a:avLst/>
+          </a:prstGeom>
+        </p:spPr>
+        <p:txBody>
+          <a:bodyPr vert="horz" lIns="91440" tIns="45720" rIns="91440" bIns="45720" rtlCol="0" anchor="ctr"/>
+          <a:lstStyle>
+            <a:lvl1pPr algn="r">
+              <a:defRPr sz="525">
+                <a:solidFill>
+                  <a:schemeClr val="tx2"/>
+                </a:solidFill>
+              </a:defRPr>
+            </a:lvl1pPr>
+          </a:lstStyle>
+          <a:p>
+            <a:pPr defTabSz="385763">
+              <a:defRPr/>
+            </a:pPr>
+            <a:fld id="{2F5CCB13-0A32-4557-88E9-079F0C330695}" type="slidenum">
+              <a:rPr lang="en-US" kern="0" smtClean="0">
+                <a:solidFill>
+                  <a:srgbClr val="595959"/>
+                </a:solidFill>
+              </a:rPr>
+              <a:pPr defTabSz="385763">
+                <a:defRPr/>
+              </a:pPr>
+              <a:t>‹Nº›</a:t>
+            </a:fld>
+            <a:endParaRPr lang="en-US" kern="0" dirty="0">
+              <a:solidFill>
+                <a:srgbClr val="595959"/>
+              </a:solidFill>
+            </a:endParaRPr>
+          </a:p>
+        </p:txBody>
+      </p:sp>
+      <p:sp>
+        <p:nvSpPr>
+          <p:cNvPr id="5" name="Rectangle 3"/>
+          <p:cNvSpPr>
+            <a:spLocks noGrp="1" noChangeArrowheads="1"/>
+          </p:cNvSpPr>
+          <p:nvPr>
+            <p:ph idx="1"/>
+          </p:nvPr>
+        </p:nvSpPr>
+        <p:spPr bwMode="auto">
+          <a:xfrm>
+            <a:off x="144065" y="1065260"/>
+            <a:ext cx="8853286" cy="5540425"/>
+          </a:xfrm>
+          <a:prstGeom prst="rect">
+            <a:avLst/>
+          </a:prstGeom>
+          <a:noFill/>
+          <a:ln>
+            <a:noFill/>
+          </a:ln>
+          <a:extLst>
+            <a:ext uri="{909E8E84-426E-40DD-AFC4-6F175D3DCCD1}">
+              <a14:hiddenFill xmlns:a14="http://schemas.microsoft.com/office/drawing/2010/main">
+                <a:solidFill>
+                  <a:srgbClr val="FFFFFF"/>
+                </a:solidFill>
+              </a14:hiddenFill>
+            </a:ext>
+            <a:ext uri="{91240B29-F687-4F45-9708-019B960494DF}">
+              <a14:hiddenLine xmlns:a14="http://schemas.microsoft.com/office/drawing/2010/main" w="12700">
+                <a:solidFill>
+                  <a:srgbClr val="000000"/>
+                </a:solidFill>
+                <a:miter lim="800000"/>
+                <a:headEnd/>
+                <a:tailEnd/>
+              </a14:hiddenLine>
+            </a:ext>
+          </a:extLst>
+        </p:spPr>
+        <p:txBody>
+          <a:bodyPr vert="horz" wrap="square" lIns="91440" tIns="45720" rIns="182880" bIns="45720" numCol="1" anchor="t" anchorCtr="0" compatLnSpc="1">
+            <a:prstTxWarp prst="textNoShape">
+              <a:avLst/>
+            </a:prstTxWarp>
+          </a:bodyPr>
+          <a:lstStyle>
+            <a:lvl1pPr marL="169863" indent="-169863">
+              <a:lnSpc>
+                <a:spcPct val="100000"/>
+              </a:lnSpc>
+              <a:spcBef>
+                <a:spcPts val="600"/>
+              </a:spcBef>
+              <a:spcAft>
+                <a:spcPts val="600"/>
+              </a:spcAft>
+              <a:buFont typeface="Wingdings" panose="05000000000000000000" pitchFamily="2" charset="2"/>
+              <a:buChar char="§"/>
+              <a:defRPr>
+                <a:solidFill>
+                  <a:srgbClr val="000000"/>
+                </a:solidFill>
+              </a:defRPr>
+            </a:lvl1pPr>
+            <a:lvl2pPr>
+              <a:lnSpc>
+                <a:spcPct val="100000"/>
+              </a:lnSpc>
+              <a:spcBef>
+                <a:spcPts val="300"/>
+              </a:spcBef>
+              <a:spcAft>
+                <a:spcPts val="300"/>
+              </a:spcAft>
+              <a:defRPr>
+                <a:solidFill>
+                  <a:srgbClr val="000000"/>
+                </a:solidFill>
+              </a:defRPr>
+            </a:lvl2pPr>
+            <a:lvl3pPr>
+              <a:lnSpc>
+                <a:spcPct val="100000"/>
+              </a:lnSpc>
+              <a:spcBef>
+                <a:spcPts val="300"/>
+              </a:spcBef>
+              <a:spcAft>
+                <a:spcPts val="300"/>
+              </a:spcAft>
+              <a:defRPr>
+                <a:solidFill>
+                  <a:srgbClr val="000000"/>
+                </a:solidFill>
+              </a:defRPr>
+            </a:lvl3pPr>
+            <a:lvl4pPr>
+              <a:lnSpc>
+                <a:spcPct val="100000"/>
+              </a:lnSpc>
+              <a:spcBef>
+                <a:spcPts val="300"/>
+              </a:spcBef>
+              <a:spcAft>
+                <a:spcPts val="300"/>
+              </a:spcAft>
+              <a:defRPr>
+                <a:solidFill>
+                  <a:srgbClr val="000000"/>
+                </a:solidFill>
+              </a:defRPr>
+            </a:lvl4pPr>
+          </a:lstStyle>
+          <a:p>
+            <a:pPr lvl="0"/>
+            <a:r>
+              <a:rPr lang="en-US" dirty="0">
+                <a:sym typeface="Arial" pitchFamily="34" charset="0"/>
+              </a:rPr>
+              <a:t>Click to edit Master text styles</a:t>
+            </a:r>
+          </a:p>
+          <a:p>
+            <a:pPr lvl="1"/>
+            <a:r>
+              <a:rPr lang="en-US" dirty="0">
+                <a:sym typeface="Arial" pitchFamily="34" charset="0"/>
+              </a:rPr>
+              <a:t>Second level</a:t>
+            </a:r>
+          </a:p>
+          <a:p>
+            <a:pPr lvl="2"/>
+            <a:r>
+              <a:rPr lang="en-US" dirty="0">
+                <a:sym typeface="Arial" pitchFamily="34" charset="0"/>
+              </a:rPr>
+              <a:t>Third level</a:t>
+            </a:r>
+          </a:p>
+          <a:p>
+            <a:pPr lvl="3"/>
+            <a:r>
+              <a:rPr lang="en-US" dirty="0">
+                <a:sym typeface="Arial" pitchFamily="34" charset="0"/>
+              </a:rPr>
+              <a:t>Fourth level</a:t>
+            </a:r>
+          </a:p>
+        </p:txBody>
+      </p:sp>
+      <p:sp>
+        <p:nvSpPr>
+          <p:cNvPr id="6" name="Rectangle 2"/>
+          <p:cNvSpPr>
+            <a:spLocks noGrp="1" noChangeArrowheads="1"/>
+          </p:cNvSpPr>
+          <p:nvPr>
+            <p:ph type="title"/>
+          </p:nvPr>
+        </p:nvSpPr>
+        <p:spPr bwMode="auto">
+          <a:xfrm>
+            <a:off x="1" y="55191"/>
+            <a:ext cx="9144000" cy="1010068"/>
+          </a:xfrm>
+          <a:prstGeom prst="rect">
+            <a:avLst/>
+          </a:prstGeom>
+          <a:noFill/>
+          <a:ln>
+            <a:noFill/>
+          </a:ln>
+          <a:extLst>
+            <a:ext uri="{909E8E84-426E-40DD-AFC4-6F175D3DCCD1}">
+              <a14:hiddenFill xmlns:a14="http://schemas.microsoft.com/office/drawing/2010/main">
+                <a:solidFill>
+                  <a:srgbClr val="FFFFFF"/>
+                </a:solidFill>
+              </a14:hiddenFill>
+            </a:ext>
+            <a:ext uri="{91240B29-F687-4F45-9708-019B960494DF}">
+              <a14:hiddenLine xmlns:a14="http://schemas.microsoft.com/office/drawing/2010/main" w="12700">
+                <a:solidFill>
+                  <a:srgbClr val="000000"/>
+                </a:solidFill>
+                <a:miter lim="800000"/>
+                <a:headEnd/>
+                <a:tailEnd/>
+              </a14:hiddenLine>
+            </a:ext>
+          </a:extLst>
+        </p:spPr>
+        <p:txBody>
+          <a:bodyPr vert="horz" wrap="square" lIns="91440" tIns="45720" rIns="91440" bIns="45720" numCol="1" anchor="ctr" anchorCtr="0" compatLnSpc="1">
+            <a:prstTxWarp prst="textNoShape">
+              <a:avLst/>
+            </a:prstTxWarp>
+          </a:bodyPr>
+          <a:lstStyle>
+            <a:lvl1pPr>
+              <a:lnSpc>
+                <a:spcPct val="100000"/>
+              </a:lnSpc>
+              <a:defRPr sz="2400"/>
+            </a:lvl1pPr>
+          </a:lstStyle>
+          <a:p>
+            <a:pPr lvl="0"/>
+            <a:r>
+              <a:rPr lang="en-US" dirty="0">
+                <a:sym typeface="Arial" pitchFamily="34" charset="0"/>
+              </a:rPr>
+              <a:t>Click to edit Master title style</a:t>
+            </a:r>
+          </a:p>
+        </p:txBody>
+      </p:sp>
+    </p:spTree>
+    <p:extLst>
+      <p:ext uri="{BB962C8B-B14F-4D97-AF65-F5344CB8AC3E}">
+        <p14:creationId xmlns:p14="http://schemas.microsoft.com/office/powerpoint/2010/main" val="2963054901"/>
+      </p:ext>
+    </p:extLst>
+  </p:cSld>
+  <p:clrMapOvr>
+    <a:masterClrMapping/>
+  </p:clrMapOvr>
+  <p:transition/>
 </p:sldLayout>
 </file>
 
@@ -1621,7 +2921,7 @@
           <a:p>
             <a:fld id="{5E75A0DC-66C6-4CEC-A5EB-F8C97CEC3796}" type="datetimeFigureOut">
               <a:rPr lang="es-MX" smtClean="0"/>
-              <a:t>27/01/2022</a:t>
+              <a:t>13/03/2022</a:t>
             </a:fld>
             <a:endParaRPr lang="es-MX" dirty="0"/>
           </a:p>
@@ -1867,7 +3167,7 @@
           <a:p>
             <a:fld id="{5E75A0DC-66C6-4CEC-A5EB-F8C97CEC3796}" type="datetimeFigureOut">
               <a:rPr lang="es-MX" smtClean="0"/>
-              <a:t>27/01/2022</a:t>
+              <a:t>13/03/2022</a:t>
             </a:fld>
             <a:endParaRPr lang="es-MX" dirty="0"/>
           </a:p>
@@ -2155,7 +3455,7 @@
           <a:p>
             <a:fld id="{5E75A0DC-66C6-4CEC-A5EB-F8C97CEC3796}" type="datetimeFigureOut">
               <a:rPr lang="es-MX" smtClean="0"/>
-              <a:t>27/01/2022</a:t>
+              <a:t>13/03/2022</a:t>
             </a:fld>
             <a:endParaRPr lang="es-MX" dirty="0"/>
           </a:p>
@@ -2577,7 +3877,7 @@
           <a:p>
             <a:fld id="{5E75A0DC-66C6-4CEC-A5EB-F8C97CEC3796}" type="datetimeFigureOut">
               <a:rPr lang="es-MX" smtClean="0"/>
-              <a:t>27/01/2022</a:t>
+              <a:t>13/03/2022</a:t>
             </a:fld>
             <a:endParaRPr lang="es-MX" dirty="0"/>
           </a:p>
@@ -2695,7 +3995,7 @@
           <a:p>
             <a:fld id="{5E75A0DC-66C6-4CEC-A5EB-F8C97CEC3796}" type="datetimeFigureOut">
               <a:rPr lang="es-MX" smtClean="0"/>
-              <a:t>27/01/2022</a:t>
+              <a:t>13/03/2022</a:t>
             </a:fld>
             <a:endParaRPr lang="es-MX" dirty="0"/>
           </a:p>
@@ -2790,7 +4090,7 @@
           <a:p>
             <a:fld id="{5E75A0DC-66C6-4CEC-A5EB-F8C97CEC3796}" type="datetimeFigureOut">
               <a:rPr lang="es-MX" smtClean="0"/>
-              <a:t>27/01/2022</a:t>
+              <a:t>13/03/2022</a:t>
             </a:fld>
             <a:endParaRPr lang="es-MX" dirty="0"/>
           </a:p>
@@ -3067,7 +4367,7 @@
           <a:p>
             <a:fld id="{5E75A0DC-66C6-4CEC-A5EB-F8C97CEC3796}" type="datetimeFigureOut">
               <a:rPr lang="es-MX" smtClean="0"/>
-              <a:t>27/01/2022</a:t>
+              <a:t>13/03/2022</a:t>
             </a:fld>
             <a:endParaRPr lang="es-MX" dirty="0"/>
           </a:p>
@@ -3320,7 +4620,7 @@
           <a:p>
             <a:fld id="{5E75A0DC-66C6-4CEC-A5EB-F8C97CEC3796}" type="datetimeFigureOut">
               <a:rPr lang="es-MX" smtClean="0"/>
-              <a:t>27/01/2022</a:t>
+              <a:t>13/03/2022</a:t>
             </a:fld>
             <a:endParaRPr lang="es-MX" dirty="0"/>
           </a:p>
@@ -3533,7 +4833,7 @@
           <a:p>
             <a:fld id="{5E75A0DC-66C6-4CEC-A5EB-F8C97CEC3796}" type="datetimeFigureOut">
               <a:rPr lang="es-MX" smtClean="0"/>
-              <a:t>27/01/2022</a:t>
+              <a:t>13/03/2022</a:t>
             </a:fld>
             <a:endParaRPr lang="es-MX" dirty="0"/>
           </a:p>
@@ -3637,6 +4937,7 @@
     <p:sldLayoutId id="2147483657" r:id="rId9"/>
     <p:sldLayoutId id="2147483658" r:id="rId10"/>
     <p:sldLayoutId id="2147483659" r:id="rId11"/>
+    <p:sldLayoutId id="2147483660" r:id="rId12"/>
   </p:sldLayoutIdLst>
   <p:txStyles>
     <p:titleStyle>
@@ -4253,7 +5554,7 @@
           <a:graphicData uri="http://schemas.openxmlformats.org/presentationml/2006/ole">
             <mc:AlternateContent xmlns:mc="http://schemas.openxmlformats.org/markup-compatibility/2006">
               <mc:Choice xmlns:v="urn:schemas-microsoft-com:vml" Requires="v">
-                <p:oleObj spid="_x0000_s29717" name="Imagen de mapa de bits" r:id="rId4" imgW="1552792" imgH="1638529" progId="Paint.Picture">
+                <p:oleObj spid="_x0000_s29725" name="Imagen de mapa de bits" r:id="rId4" imgW="1552792" imgH="1638529" progId="Paint.Picture">
                   <p:embed/>
                 </p:oleObj>
               </mc:Choice>
@@ -4507,7 +5808,7 @@
           <a:graphicData uri="http://schemas.openxmlformats.org/presentationml/2006/ole">
             <mc:AlternateContent xmlns:mc="http://schemas.openxmlformats.org/markup-compatibility/2006">
               <mc:Choice xmlns:v="urn:schemas-microsoft-com:vml" Requires="v">
-                <p:oleObj spid="_x0000_s30740" name="Imagen de mapa de bits" r:id="rId4" imgW="1514686" imgH="1619476" progId="Paint.Picture">
+                <p:oleObj spid="_x0000_s30748" name="Imagen de mapa de bits" r:id="rId4" imgW="1514686" imgH="1619476" progId="Paint.Picture">
                   <p:embed/>
                 </p:oleObj>
               </mc:Choice>
@@ -4646,6 +5947,1407 @@
       </p:grpSpPr>
       <p:sp>
         <p:nvSpPr>
+          <p:cNvPr id="5" name="Rectangle 2">
+            <a:extLst>
+              <a:ext uri="{FF2B5EF4-FFF2-40B4-BE49-F238E27FC236}">
+                <a16:creationId xmlns:a16="http://schemas.microsoft.com/office/drawing/2014/main" id="{2461BB12-DDC7-4544-B13A-38DA09F8249D}"/>
+              </a:ext>
+            </a:extLst>
+          </p:cNvPr>
+          <p:cNvSpPr txBox="1">
+            <a:spLocks noChangeArrowheads="1"/>
+          </p:cNvSpPr>
+          <p:nvPr/>
+        </p:nvSpPr>
+        <p:spPr bwMode="auto">
+          <a:xfrm>
+            <a:off x="2051720" y="64272"/>
+            <a:ext cx="5544616" cy="1143000"/>
+          </a:xfrm>
+          <a:prstGeom prst="rect">
+            <a:avLst/>
+          </a:prstGeom>
+          <a:noFill/>
+          <a:ln>
+            <a:noFill/>
+          </a:ln>
+          <a:extLst>
+            <a:ext uri="{909E8E84-426E-40DD-AFC4-6F175D3DCCD1}">
+              <a14:hiddenFill xmlns:a14="http://schemas.microsoft.com/office/drawing/2010/main">
+                <a:solidFill>
+                  <a:srgbClr val="FFFFFF"/>
+                </a:solidFill>
+              </a14:hiddenFill>
+            </a:ext>
+            <a:ext uri="{91240B29-F687-4F45-9708-019B960494DF}">
+              <a14:hiddenLine xmlns:a14="http://schemas.microsoft.com/office/drawing/2010/main" w="12700">
+                <a:solidFill>
+                  <a:srgbClr val="000000"/>
+                </a:solidFill>
+                <a:miter lim="800000"/>
+                <a:headEnd/>
+                <a:tailEnd/>
+              </a14:hiddenLine>
+            </a:ext>
+          </a:extLst>
+        </p:spPr>
+        <p:txBody>
+          <a:bodyPr vert="horz" wrap="square" lIns="91440" tIns="45720" rIns="91440" bIns="45720" numCol="1" rtlCol="0" anchor="ctr" anchorCtr="0" compatLnSpc="1">
+            <a:prstTxWarp prst="textNoShape">
+              <a:avLst/>
+            </a:prstTxWarp>
+            <a:normAutofit/>
+          </a:bodyPr>
+          <a:lstStyle>
+            <a:lvl1pPr algn="ctr" defTabSz="914400" rtl="0" eaLnBrk="1" latinLnBrk="0" hangingPunct="1">
+              <a:lnSpc>
+                <a:spcPct val="100000"/>
+              </a:lnSpc>
+              <a:spcBef>
+                <a:spcPct val="0"/>
+              </a:spcBef>
+              <a:buNone/>
+              <a:defRPr sz="2400" kern="1200">
+                <a:solidFill>
+                  <a:schemeClr val="tx1"/>
+                </a:solidFill>
+                <a:latin typeface="+mj-lt"/>
+                <a:ea typeface="+mj-ea"/>
+                <a:cs typeface="+mj-cs"/>
+              </a:defRPr>
+            </a:lvl1pPr>
+          </a:lstStyle>
+          <a:p>
+            <a:r>
+              <a:rPr lang="es-ES_tradnl" altLang="es-MX" sz="3600" b="1" dirty="0">
+                <a:solidFill>
+                  <a:schemeClr val="accent4">
+                    <a:lumMod val="50000"/>
+                  </a:schemeClr>
+                </a:solidFill>
+                <a:effectLst>
+                  <a:outerShdw blurRad="38100" dist="38100" dir="2700000" algn="tl">
+                    <a:srgbClr val="C0C0C0"/>
+                  </a:outerShdw>
+                </a:effectLst>
+                <a:latin typeface="Dom Casual" charset="0"/>
+              </a:rPr>
+              <a:t>Suite de protocolos TCP / IP</a:t>
+            </a:r>
+          </a:p>
+        </p:txBody>
+      </p:sp>
+      <p:pic>
+        <p:nvPicPr>
+          <p:cNvPr id="10" name="Imagen 9" descr="Interfaz de usuario gráfica&#10;&#10;Descripción generada automáticamente">
+            <a:extLst>
+              <a:ext uri="{FF2B5EF4-FFF2-40B4-BE49-F238E27FC236}">
+                <a16:creationId xmlns:a16="http://schemas.microsoft.com/office/drawing/2014/main" id="{8164F6C8-E87B-4386-A846-43C8533A0C6F}"/>
+              </a:ext>
+            </a:extLst>
+          </p:cNvPr>
+          <p:cNvPicPr>
+            <a:picLocks noChangeAspect="1"/>
+          </p:cNvPicPr>
+          <p:nvPr/>
+        </p:nvPicPr>
+        <p:blipFill>
+          <a:blip r:embed="rId3" cstate="print">
+            <a:extLst>
+              <a:ext uri="{28A0092B-C50C-407E-A947-70E740481C1C}">
+                <a14:useLocalDpi xmlns:a14="http://schemas.microsoft.com/office/drawing/2010/main" val="0"/>
+              </a:ext>
+            </a:extLst>
+          </a:blip>
+          <a:stretch>
+            <a:fillRect/>
+          </a:stretch>
+        </p:blipFill>
+        <p:spPr>
+          <a:xfrm>
+            <a:off x="1547664" y="1700808"/>
+            <a:ext cx="6711259" cy="4032448"/>
+          </a:xfrm>
+          <a:prstGeom prst="rect">
+            <a:avLst/>
+          </a:prstGeom>
+        </p:spPr>
+      </p:pic>
+    </p:spTree>
+    <p:extLst>
+      <p:ext uri="{BB962C8B-B14F-4D97-AF65-F5344CB8AC3E}">
+        <p14:creationId xmlns:p14="http://schemas.microsoft.com/office/powerpoint/2010/main" val="429067514"/>
+      </p:ext>
+    </p:extLst>
+  </p:cSld>
+  <p:clrMapOvr>
+    <a:masterClrMapping/>
+  </p:clrMapOvr>
+  <p:transition spd="slow">
+    <p:wipe/>
+  </p:transition>
+</p:sld>
+</file>
+
+<file path=ppt/slides/slide13.xml><?xml version="1.0" encoding="utf-8"?>
+<p:sld xmlns:a="http://schemas.openxmlformats.org/drawingml/2006/main" xmlns:r="http://schemas.openxmlformats.org/officeDocument/2006/relationships" xmlns:p="http://schemas.openxmlformats.org/presentationml/2006/main">
+  <p:cSld>
+    <p:spTree>
+      <p:nvGrpSpPr>
+        <p:cNvPr id="1" name=""/>
+        <p:cNvGrpSpPr/>
+        <p:nvPr/>
+      </p:nvGrpSpPr>
+      <p:grpSpPr>
+        <a:xfrm>
+          <a:off x="0" y="0"/>
+          <a:ext cx="0" cy="0"/>
+          <a:chOff x="0" y="0"/>
+          <a:chExt cx="0" cy="0"/>
+        </a:xfrm>
+      </p:grpSpPr>
+      <p:sp>
+        <p:nvSpPr>
+          <p:cNvPr id="8195" name="Rectangle 6"/>
+          <p:cNvSpPr>
+            <a:spLocks noGrp="1" noChangeArrowheads="1"/>
+          </p:cNvSpPr>
+          <p:nvPr>
+            <p:ph idx="1"/>
+          </p:nvPr>
+        </p:nvSpPr>
+        <p:spPr>
+          <a:xfrm>
+            <a:off x="626674" y="2636912"/>
+            <a:ext cx="3735569" cy="5097484"/>
+          </a:xfrm>
+        </p:spPr>
+        <p:txBody>
+          <a:bodyPr>
+            <a:noAutofit/>
+          </a:bodyPr>
+          <a:lstStyle/>
+          <a:p>
+            <a:pPr>
+              <a:spcAft>
+                <a:spcPts val="0"/>
+              </a:spcAft>
+            </a:pPr>
+            <a:r>
+              <a:rPr lang="es-ES" sz="1600" b="1" dirty="0"/>
+              <a:t>TCP</a:t>
+            </a:r>
+            <a:r>
+              <a:rPr lang="es-ES" sz="1600" dirty="0"/>
+              <a:t>: protocolo de transporte que administra las conversaciones individuales. </a:t>
+            </a:r>
+          </a:p>
+          <a:p>
+            <a:pPr>
+              <a:spcAft>
+                <a:spcPts val="0"/>
+              </a:spcAft>
+            </a:pPr>
+            <a:r>
+              <a:rPr lang="es-ES" sz="1600" b="1" dirty="0"/>
+              <a:t>IP</a:t>
+            </a:r>
+            <a:r>
+              <a:rPr lang="es-ES" sz="1600" dirty="0"/>
+              <a:t>: encapsula los segmentos TCP en paquetes, asigna direcciones y entrega al host de destino.</a:t>
+            </a:r>
+          </a:p>
+          <a:p>
+            <a:pPr>
+              <a:spcAft>
+                <a:spcPts val="0"/>
+              </a:spcAft>
+            </a:pPr>
+            <a:r>
+              <a:rPr lang="es-ES" sz="1600" b="1" dirty="0"/>
+              <a:t>Ethernet</a:t>
+            </a:r>
+            <a:r>
+              <a:rPr lang="es-ES" sz="1600" dirty="0"/>
+              <a:t>: permite la comunicación a través de un enlace de datos y la transmisión física de datos en los medios de red.</a:t>
+            </a:r>
+          </a:p>
+        </p:txBody>
+      </p:sp>
+      <p:pic>
+        <p:nvPicPr>
+          <p:cNvPr id="3" name="Picture 2" descr="Introduction to Networks - Mozilla Firefox"/>
+          <p:cNvPicPr>
+            <a:picLocks noChangeAspect="1"/>
+          </p:cNvPicPr>
+          <p:nvPr/>
+        </p:nvPicPr>
+        <p:blipFill>
+          <a:blip r:embed="rId3"/>
+          <a:stretch>
+            <a:fillRect/>
+          </a:stretch>
+        </p:blipFill>
+        <p:spPr>
+          <a:xfrm>
+            <a:off x="4254727" y="2575210"/>
+            <a:ext cx="4262599" cy="2671229"/>
+          </a:xfrm>
+          <a:prstGeom prst="rect">
+            <a:avLst/>
+          </a:prstGeom>
+        </p:spPr>
+      </p:pic>
+      <p:sp>
+        <p:nvSpPr>
+          <p:cNvPr id="5" name="Rectangle 2">
+            <a:extLst>
+              <a:ext uri="{FF2B5EF4-FFF2-40B4-BE49-F238E27FC236}">
+                <a16:creationId xmlns:a16="http://schemas.microsoft.com/office/drawing/2014/main" id="{2461BB12-DDC7-4544-B13A-38DA09F8249D}"/>
+              </a:ext>
+            </a:extLst>
+          </p:cNvPr>
+          <p:cNvSpPr txBox="1">
+            <a:spLocks noChangeArrowheads="1"/>
+          </p:cNvSpPr>
+          <p:nvPr/>
+        </p:nvSpPr>
+        <p:spPr bwMode="auto">
+          <a:xfrm>
+            <a:off x="2051720" y="64272"/>
+            <a:ext cx="5544616" cy="1143000"/>
+          </a:xfrm>
+          <a:prstGeom prst="rect">
+            <a:avLst/>
+          </a:prstGeom>
+          <a:noFill/>
+          <a:ln>
+            <a:noFill/>
+          </a:ln>
+          <a:extLst>
+            <a:ext uri="{909E8E84-426E-40DD-AFC4-6F175D3DCCD1}">
+              <a14:hiddenFill xmlns:a14="http://schemas.microsoft.com/office/drawing/2010/main">
+                <a:solidFill>
+                  <a:srgbClr val="FFFFFF"/>
+                </a:solidFill>
+              </a14:hiddenFill>
+            </a:ext>
+            <a:ext uri="{91240B29-F687-4F45-9708-019B960494DF}">
+              <a14:hiddenLine xmlns:a14="http://schemas.microsoft.com/office/drawing/2010/main" w="12700">
+                <a:solidFill>
+                  <a:srgbClr val="000000"/>
+                </a:solidFill>
+                <a:miter lim="800000"/>
+                <a:headEnd/>
+                <a:tailEnd/>
+              </a14:hiddenLine>
+            </a:ext>
+          </a:extLst>
+        </p:spPr>
+        <p:txBody>
+          <a:bodyPr vert="horz" wrap="square" lIns="91440" tIns="45720" rIns="91440" bIns="45720" numCol="1" rtlCol="0" anchor="ctr" anchorCtr="0" compatLnSpc="1">
+            <a:prstTxWarp prst="textNoShape">
+              <a:avLst/>
+            </a:prstTxWarp>
+            <a:normAutofit/>
+          </a:bodyPr>
+          <a:lstStyle>
+            <a:lvl1pPr algn="ctr" defTabSz="914400" rtl="0" eaLnBrk="1" latinLnBrk="0" hangingPunct="1">
+              <a:lnSpc>
+                <a:spcPct val="100000"/>
+              </a:lnSpc>
+              <a:spcBef>
+                <a:spcPct val="0"/>
+              </a:spcBef>
+              <a:buNone/>
+              <a:defRPr sz="2400" kern="1200">
+                <a:solidFill>
+                  <a:schemeClr val="tx1"/>
+                </a:solidFill>
+                <a:latin typeface="+mj-lt"/>
+                <a:ea typeface="+mj-ea"/>
+                <a:cs typeface="+mj-cs"/>
+              </a:defRPr>
+            </a:lvl1pPr>
+          </a:lstStyle>
+          <a:p>
+            <a:r>
+              <a:rPr lang="es-ES_tradnl" altLang="es-MX" sz="3600" b="1" dirty="0">
+                <a:solidFill>
+                  <a:schemeClr val="accent4">
+                    <a:lumMod val="50000"/>
+                  </a:schemeClr>
+                </a:solidFill>
+                <a:effectLst>
+                  <a:outerShdw blurRad="38100" dist="38100" dir="2700000" algn="tl">
+                    <a:srgbClr val="C0C0C0"/>
+                  </a:outerShdw>
+                </a:effectLst>
+                <a:latin typeface="Dom Casual" charset="0"/>
+              </a:rPr>
+              <a:t>Interacción de protocolos</a:t>
+            </a:r>
+          </a:p>
+        </p:txBody>
+      </p:sp>
+      <p:sp>
+        <p:nvSpPr>
+          <p:cNvPr id="6" name="Rectangle 6">
+            <a:extLst>
+              <a:ext uri="{FF2B5EF4-FFF2-40B4-BE49-F238E27FC236}">
+                <a16:creationId xmlns:a16="http://schemas.microsoft.com/office/drawing/2014/main" id="{B895D53D-2353-42E5-A7E2-73D765390391}"/>
+              </a:ext>
+            </a:extLst>
+          </p:cNvPr>
+          <p:cNvSpPr txBox="1">
+            <a:spLocks noChangeArrowheads="1"/>
+          </p:cNvSpPr>
+          <p:nvPr/>
+        </p:nvSpPr>
+        <p:spPr bwMode="auto">
+          <a:xfrm>
+            <a:off x="626674" y="1423296"/>
+            <a:ext cx="7998168" cy="1143000"/>
+          </a:xfrm>
+          <a:prstGeom prst="rect">
+            <a:avLst/>
+          </a:prstGeom>
+          <a:noFill/>
+          <a:ln>
+            <a:noFill/>
+          </a:ln>
+          <a:extLst>
+            <a:ext uri="{909E8E84-426E-40DD-AFC4-6F175D3DCCD1}">
+              <a14:hiddenFill xmlns:a14="http://schemas.microsoft.com/office/drawing/2010/main">
+                <a:solidFill>
+                  <a:srgbClr val="FFFFFF"/>
+                </a:solidFill>
+              </a14:hiddenFill>
+            </a:ext>
+            <a:ext uri="{91240B29-F687-4F45-9708-019B960494DF}">
+              <a14:hiddenLine xmlns:a14="http://schemas.microsoft.com/office/drawing/2010/main" w="12700">
+                <a:solidFill>
+                  <a:srgbClr val="000000"/>
+                </a:solidFill>
+                <a:miter lim="800000"/>
+                <a:headEnd/>
+                <a:tailEnd/>
+              </a14:hiddenLine>
+            </a:ext>
+          </a:extLst>
+        </p:spPr>
+        <p:txBody>
+          <a:bodyPr vert="horz" wrap="square" lIns="91440" tIns="45720" rIns="182880" bIns="45720" numCol="1" rtlCol="0" anchor="t" anchorCtr="0" compatLnSpc="1">
+            <a:prstTxWarp prst="textNoShape">
+              <a:avLst/>
+            </a:prstTxWarp>
+            <a:noAutofit/>
+          </a:bodyPr>
+          <a:lstStyle>
+            <a:lvl1pPr marL="169863" indent="-169863" algn="l" defTabSz="914400" rtl="0" eaLnBrk="1" latinLnBrk="0" hangingPunct="1">
+              <a:lnSpc>
+                <a:spcPct val="100000"/>
+              </a:lnSpc>
+              <a:spcBef>
+                <a:spcPts val="600"/>
+              </a:spcBef>
+              <a:spcAft>
+                <a:spcPts val="600"/>
+              </a:spcAft>
+              <a:buFont typeface="Wingdings" panose="05000000000000000000" pitchFamily="2" charset="2"/>
+              <a:buChar char="§"/>
+              <a:defRPr sz="3200" kern="1200">
+                <a:solidFill>
+                  <a:srgbClr val="000000"/>
+                </a:solidFill>
+                <a:latin typeface="+mn-lt"/>
+                <a:ea typeface="+mn-ea"/>
+                <a:cs typeface="+mn-cs"/>
+              </a:defRPr>
+            </a:lvl1pPr>
+            <a:lvl2pPr marL="742950" indent="-285750" algn="l" defTabSz="914400" rtl="0" eaLnBrk="1" latinLnBrk="0" hangingPunct="1">
+              <a:lnSpc>
+                <a:spcPct val="100000"/>
+              </a:lnSpc>
+              <a:spcBef>
+                <a:spcPts val="300"/>
+              </a:spcBef>
+              <a:spcAft>
+                <a:spcPts val="300"/>
+              </a:spcAft>
+              <a:buFont typeface="Arial" pitchFamily="34" charset="0"/>
+              <a:buChar char="–"/>
+              <a:defRPr sz="2800" kern="1200">
+                <a:solidFill>
+                  <a:srgbClr val="000000"/>
+                </a:solidFill>
+                <a:latin typeface="+mn-lt"/>
+                <a:ea typeface="+mn-ea"/>
+                <a:cs typeface="+mn-cs"/>
+              </a:defRPr>
+            </a:lvl2pPr>
+            <a:lvl3pPr marL="1143000" indent="-228600" algn="l" defTabSz="914400" rtl="0" eaLnBrk="1" latinLnBrk="0" hangingPunct="1">
+              <a:lnSpc>
+                <a:spcPct val="100000"/>
+              </a:lnSpc>
+              <a:spcBef>
+                <a:spcPts val="300"/>
+              </a:spcBef>
+              <a:spcAft>
+                <a:spcPts val="300"/>
+              </a:spcAft>
+              <a:buFont typeface="Arial" pitchFamily="34" charset="0"/>
+              <a:buChar char="•"/>
+              <a:defRPr sz="2400" kern="1200">
+                <a:solidFill>
+                  <a:srgbClr val="000000"/>
+                </a:solidFill>
+                <a:latin typeface="+mn-lt"/>
+                <a:ea typeface="+mn-ea"/>
+                <a:cs typeface="+mn-cs"/>
+              </a:defRPr>
+            </a:lvl3pPr>
+            <a:lvl4pPr marL="1600200" indent="-228600" algn="l" defTabSz="914400" rtl="0" eaLnBrk="1" latinLnBrk="0" hangingPunct="1">
+              <a:lnSpc>
+                <a:spcPct val="100000"/>
+              </a:lnSpc>
+              <a:spcBef>
+                <a:spcPts val="300"/>
+              </a:spcBef>
+              <a:spcAft>
+                <a:spcPts val="300"/>
+              </a:spcAft>
+              <a:buFont typeface="Arial" pitchFamily="34" charset="0"/>
+              <a:buChar char="–"/>
+              <a:defRPr sz="2000" kern="1200">
+                <a:solidFill>
+                  <a:srgbClr val="000000"/>
+                </a:solidFill>
+                <a:latin typeface="+mn-lt"/>
+                <a:ea typeface="+mn-ea"/>
+                <a:cs typeface="+mn-cs"/>
+              </a:defRPr>
+            </a:lvl4pPr>
+            <a:lvl5pPr marL="2057400" indent="-228600" algn="l" defTabSz="914400" rtl="0" eaLnBrk="1" latinLnBrk="0" hangingPunct="1">
+              <a:spcBef>
+                <a:spcPct val="20000"/>
+              </a:spcBef>
+              <a:buFont typeface="Arial" pitchFamily="34" charset="0"/>
+              <a:buChar char="»"/>
+              <a:defRPr sz="2000" kern="1200">
+                <a:solidFill>
+                  <a:schemeClr val="tx1"/>
+                </a:solidFill>
+                <a:latin typeface="+mn-lt"/>
+                <a:ea typeface="+mn-ea"/>
+                <a:cs typeface="+mn-cs"/>
+              </a:defRPr>
+            </a:lvl5pPr>
+            <a:lvl6pPr marL="2514600" indent="-228600" algn="l" defTabSz="914400" rtl="0" eaLnBrk="1" latinLnBrk="0" hangingPunct="1">
+              <a:spcBef>
+                <a:spcPct val="20000"/>
+              </a:spcBef>
+              <a:buFont typeface="Arial" pitchFamily="34" charset="0"/>
+              <a:buChar char="•"/>
+              <a:defRPr sz="2000" kern="1200">
+                <a:solidFill>
+                  <a:schemeClr val="tx1"/>
+                </a:solidFill>
+                <a:latin typeface="+mn-lt"/>
+                <a:ea typeface="+mn-ea"/>
+                <a:cs typeface="+mn-cs"/>
+              </a:defRPr>
+            </a:lvl6pPr>
+            <a:lvl7pPr marL="2971800" indent="-228600" algn="l" defTabSz="914400" rtl="0" eaLnBrk="1" latinLnBrk="0" hangingPunct="1">
+              <a:spcBef>
+                <a:spcPct val="20000"/>
+              </a:spcBef>
+              <a:buFont typeface="Arial" pitchFamily="34" charset="0"/>
+              <a:buChar char="•"/>
+              <a:defRPr sz="2000" kern="1200">
+                <a:solidFill>
+                  <a:schemeClr val="tx1"/>
+                </a:solidFill>
+                <a:latin typeface="+mn-lt"/>
+                <a:ea typeface="+mn-ea"/>
+                <a:cs typeface="+mn-cs"/>
+              </a:defRPr>
+            </a:lvl7pPr>
+            <a:lvl8pPr marL="3429000" indent="-228600" algn="l" defTabSz="914400" rtl="0" eaLnBrk="1" latinLnBrk="0" hangingPunct="1">
+              <a:spcBef>
+                <a:spcPct val="20000"/>
+              </a:spcBef>
+              <a:buFont typeface="Arial" pitchFamily="34" charset="0"/>
+              <a:buChar char="•"/>
+              <a:defRPr sz="2000" kern="1200">
+                <a:solidFill>
+                  <a:schemeClr val="tx1"/>
+                </a:solidFill>
+                <a:latin typeface="+mn-lt"/>
+                <a:ea typeface="+mn-ea"/>
+                <a:cs typeface="+mn-cs"/>
+              </a:defRPr>
+            </a:lvl8pPr>
+            <a:lvl9pPr marL="3886200" indent="-228600" algn="l" defTabSz="914400" rtl="0" eaLnBrk="1" latinLnBrk="0" hangingPunct="1">
+              <a:spcBef>
+                <a:spcPct val="20000"/>
+              </a:spcBef>
+              <a:buFont typeface="Arial" pitchFamily="34" charset="0"/>
+              <a:buChar char="•"/>
+              <a:defRPr sz="2000" kern="1200">
+                <a:solidFill>
+                  <a:schemeClr val="tx1"/>
+                </a:solidFill>
+                <a:latin typeface="+mn-lt"/>
+                <a:ea typeface="+mn-ea"/>
+                <a:cs typeface="+mn-cs"/>
+              </a:defRPr>
+            </a:lvl9pPr>
+          </a:lstStyle>
+          <a:p>
+            <a:pPr marL="0" indent="0">
+              <a:spcAft>
+                <a:spcPts val="0"/>
+              </a:spcAft>
+              <a:buFont typeface="Wingdings" panose="05000000000000000000" pitchFamily="2" charset="2"/>
+              <a:buNone/>
+            </a:pPr>
+            <a:r>
+              <a:rPr lang="es-ES" sz="1600" dirty="0"/>
+              <a:t>La comunicación entre un </a:t>
+            </a:r>
+            <a:r>
+              <a:rPr lang="es-ES" sz="1600" b="1" dirty="0"/>
+              <a:t>servidor web </a:t>
+            </a:r>
+            <a:r>
+              <a:rPr lang="es-ES" sz="1600" dirty="0"/>
+              <a:t>y un </a:t>
+            </a:r>
+            <a:r>
+              <a:rPr lang="es-ES" sz="1600" b="1" dirty="0"/>
+              <a:t>cliente web </a:t>
+            </a:r>
+            <a:r>
+              <a:rPr lang="es-ES" sz="1600" dirty="0"/>
+              <a:t>es un ejemplo de interacción entre varios protocolos:</a:t>
+            </a:r>
+          </a:p>
+          <a:p>
+            <a:pPr>
+              <a:spcAft>
+                <a:spcPts val="0"/>
+              </a:spcAft>
+            </a:pPr>
+            <a:r>
+              <a:rPr lang="es-ES" sz="1600" b="1" dirty="0"/>
+              <a:t>HTTP</a:t>
+            </a:r>
+            <a:r>
+              <a:rPr lang="es-ES" sz="1600" dirty="0"/>
+              <a:t>: protocolo de aplicación que rige la forma en que interactúan un servidor web y un cliente web.</a:t>
+            </a:r>
+          </a:p>
+        </p:txBody>
+      </p:sp>
+    </p:spTree>
+    <p:extLst>
+      <p:ext uri="{BB962C8B-B14F-4D97-AF65-F5344CB8AC3E}">
+        <p14:creationId xmlns:p14="http://schemas.microsoft.com/office/powerpoint/2010/main" val="2753878976"/>
+      </p:ext>
+    </p:extLst>
+  </p:cSld>
+  <p:clrMapOvr>
+    <a:masterClrMapping/>
+  </p:clrMapOvr>
+  <p:transition spd="slow">
+    <p:wipe/>
+  </p:transition>
+</p:sld>
+</file>
+
+<file path=ppt/slides/slide14.xml><?xml version="1.0" encoding="utf-8"?>
+<p:sld xmlns:a="http://schemas.openxmlformats.org/drawingml/2006/main" xmlns:r="http://schemas.openxmlformats.org/officeDocument/2006/relationships" xmlns:p="http://schemas.openxmlformats.org/presentationml/2006/main">
+  <p:cSld>
+    <p:spTree>
+      <p:nvGrpSpPr>
+        <p:cNvPr id="1" name=""/>
+        <p:cNvGrpSpPr/>
+        <p:nvPr/>
+      </p:nvGrpSpPr>
+      <p:grpSpPr>
+        <a:xfrm>
+          <a:off x="0" y="0"/>
+          <a:ext cx="0" cy="0"/>
+          <a:chOff x="0" y="0"/>
+          <a:chExt cx="0" cy="0"/>
+        </a:xfrm>
+      </p:grpSpPr>
+      <p:sp>
+        <p:nvSpPr>
+          <p:cNvPr id="8195" name="Rectangle 6"/>
+          <p:cNvSpPr>
+            <a:spLocks noGrp="1" noChangeArrowheads="1"/>
+          </p:cNvSpPr>
+          <p:nvPr>
+            <p:ph idx="1"/>
+          </p:nvPr>
+        </p:nvSpPr>
+        <p:spPr>
+          <a:xfrm>
+            <a:off x="549672" y="1424100"/>
+            <a:ext cx="7910760" cy="1631216"/>
+          </a:xfrm>
+        </p:spPr>
+        <p:txBody>
+          <a:bodyPr wrap="square">
+            <a:spAutoFit/>
+          </a:bodyPr>
+          <a:lstStyle/>
+          <a:p>
+            <a:pPr marL="0" indent="0" algn="just">
+              <a:buNone/>
+            </a:pPr>
+            <a:r>
+              <a:rPr lang="es-ES" sz="1600" dirty="0"/>
+              <a:t>Cuando envía datos desde un </a:t>
+            </a:r>
+            <a:r>
+              <a:rPr lang="es-ES" sz="1600" b="1" dirty="0"/>
+              <a:t>servidor web </a:t>
+            </a:r>
+            <a:r>
+              <a:rPr lang="es-ES" sz="1600" dirty="0"/>
+              <a:t>a un </a:t>
+            </a:r>
+            <a:r>
+              <a:rPr lang="es-ES" sz="1600" b="1" dirty="0"/>
+              <a:t>cliente</a:t>
+            </a:r>
+            <a:r>
+              <a:rPr lang="es-ES" sz="1600" dirty="0"/>
+              <a:t>, el procedimiento de </a:t>
+            </a:r>
+            <a:r>
+              <a:rPr lang="es-ES" sz="1600" b="1" dirty="0"/>
+              <a:t>encapsulamiento</a:t>
+            </a:r>
+            <a:r>
+              <a:rPr lang="es-ES" sz="1600" dirty="0"/>
+              <a:t> sería el siguiente:</a:t>
+            </a:r>
+          </a:p>
+          <a:p>
+            <a:pPr algn="just">
+              <a:buFont typeface="Arial" panose="020B0604020202020204" pitchFamily="34" charset="0"/>
+              <a:buChar char="•"/>
+            </a:pPr>
+            <a:r>
+              <a:rPr lang="es-ES" sz="1600" dirty="0"/>
+              <a:t>El servidor web prepara la página de lenguaje de marcado de hipertexto (HTML). El protocolo de </a:t>
+            </a:r>
+            <a:r>
+              <a:rPr lang="es-ES" sz="1600" b="1" dirty="0">
+                <a:solidFill>
+                  <a:schemeClr val="accent6">
+                    <a:lumMod val="75000"/>
+                  </a:schemeClr>
+                </a:solidFill>
+              </a:rPr>
+              <a:t>capa de aplicación </a:t>
+            </a:r>
+            <a:r>
+              <a:rPr lang="es-ES" sz="1600" dirty="0"/>
+              <a:t>HTTP envía los datos a la capa de transporte.</a:t>
+            </a:r>
+          </a:p>
+          <a:p>
+            <a:pPr algn="just">
+              <a:buFont typeface="Arial" panose="020B0604020202020204" pitchFamily="34" charset="0"/>
+              <a:buChar char="•"/>
+            </a:pPr>
+            <a:r>
+              <a:rPr lang="es-ES" sz="1600" dirty="0"/>
+              <a:t>La </a:t>
+            </a:r>
+            <a:r>
+              <a:rPr lang="es-ES" sz="1600" b="1" dirty="0">
+                <a:solidFill>
+                  <a:schemeClr val="accent6">
+                    <a:lumMod val="75000"/>
+                  </a:schemeClr>
+                </a:solidFill>
+              </a:rPr>
+              <a:t>capa de transporte </a:t>
+            </a:r>
+            <a:r>
+              <a:rPr lang="es-ES" sz="1600" dirty="0"/>
+              <a:t>divide los datos en segmentos e identifica cada uno.</a:t>
+            </a:r>
+          </a:p>
+        </p:txBody>
+      </p:sp>
+      <p:pic>
+        <p:nvPicPr>
+          <p:cNvPr id="6" name="Content Placeholder 4" descr="Introduction to Networks - Mozilla Firefox"/>
+          <p:cNvPicPr>
+            <a:picLocks noChangeAspect="1"/>
+          </p:cNvPicPr>
+          <p:nvPr/>
+        </p:nvPicPr>
+        <p:blipFill>
+          <a:blip r:embed="rId3"/>
+          <a:stretch>
+            <a:fillRect/>
+          </a:stretch>
+        </p:blipFill>
+        <p:spPr bwMode="auto">
+          <a:xfrm>
+            <a:off x="4244510" y="3284984"/>
+            <a:ext cx="4215922" cy="2436948"/>
+          </a:xfrm>
+          <a:prstGeom prst="rect">
+            <a:avLst/>
+          </a:prstGeom>
+          <a:noFill/>
+          <a:ln>
+            <a:noFill/>
+          </a:ln>
+          <a:extLst>
+            <a:ext uri="{909E8E84-426E-40DD-AFC4-6F175D3DCCD1}">
+              <a14:hiddenFill xmlns:a14="http://schemas.microsoft.com/office/drawing/2010/main">
+                <a:solidFill>
+                  <a:srgbClr val="FFFFFF"/>
+                </a:solidFill>
+              </a14:hiddenFill>
+            </a:ext>
+            <a:ext uri="{91240B29-F687-4F45-9708-019B960494DF}">
+              <a14:hiddenLine xmlns:a14="http://schemas.microsoft.com/office/drawing/2010/main" w="12700">
+                <a:solidFill>
+                  <a:srgbClr val="000000"/>
+                </a:solidFill>
+                <a:miter lim="800000"/>
+                <a:headEnd/>
+                <a:tailEnd/>
+              </a14:hiddenLine>
+            </a:ext>
+          </a:extLst>
+        </p:spPr>
+      </p:pic>
+      <p:sp>
+        <p:nvSpPr>
+          <p:cNvPr id="8" name="Rectangle 2">
+            <a:extLst>
+              <a:ext uri="{FF2B5EF4-FFF2-40B4-BE49-F238E27FC236}">
+                <a16:creationId xmlns:a16="http://schemas.microsoft.com/office/drawing/2014/main" id="{F579998B-A020-4D87-9CA7-595422E286E4}"/>
+              </a:ext>
+            </a:extLst>
+          </p:cNvPr>
+          <p:cNvSpPr txBox="1">
+            <a:spLocks noChangeArrowheads="1"/>
+          </p:cNvSpPr>
+          <p:nvPr/>
+        </p:nvSpPr>
+        <p:spPr bwMode="auto">
+          <a:xfrm>
+            <a:off x="611560" y="188640"/>
+            <a:ext cx="7848872" cy="1143000"/>
+          </a:xfrm>
+          <a:prstGeom prst="rect">
+            <a:avLst/>
+          </a:prstGeom>
+          <a:noFill/>
+          <a:ln>
+            <a:noFill/>
+          </a:ln>
+          <a:extLst>
+            <a:ext uri="{909E8E84-426E-40DD-AFC4-6F175D3DCCD1}">
+              <a14:hiddenFill xmlns:a14="http://schemas.microsoft.com/office/drawing/2010/main">
+                <a:solidFill>
+                  <a:srgbClr val="FFFFFF"/>
+                </a:solidFill>
+              </a14:hiddenFill>
+            </a:ext>
+            <a:ext uri="{91240B29-F687-4F45-9708-019B960494DF}">
+              <a14:hiddenLine xmlns:a14="http://schemas.microsoft.com/office/drawing/2010/main" w="12700">
+                <a:solidFill>
+                  <a:srgbClr val="000000"/>
+                </a:solidFill>
+                <a:miter lim="800000"/>
+                <a:headEnd/>
+                <a:tailEnd/>
+              </a14:hiddenLine>
+            </a:ext>
+          </a:extLst>
+        </p:spPr>
+        <p:txBody>
+          <a:bodyPr vert="horz" wrap="square" lIns="91440" tIns="45720" rIns="91440" bIns="45720" numCol="1" rtlCol="0" anchor="ctr" anchorCtr="0" compatLnSpc="1">
+            <a:prstTxWarp prst="textNoShape">
+              <a:avLst/>
+            </a:prstTxWarp>
+            <a:normAutofit/>
+          </a:bodyPr>
+          <a:lstStyle>
+            <a:lvl1pPr algn="ctr" defTabSz="914400" rtl="0" eaLnBrk="1" latinLnBrk="0" hangingPunct="1">
+              <a:lnSpc>
+                <a:spcPct val="100000"/>
+              </a:lnSpc>
+              <a:spcBef>
+                <a:spcPct val="0"/>
+              </a:spcBef>
+              <a:buNone/>
+              <a:defRPr sz="2400" kern="1200">
+                <a:solidFill>
+                  <a:schemeClr val="tx1"/>
+                </a:solidFill>
+                <a:latin typeface="+mj-lt"/>
+                <a:ea typeface="+mj-ea"/>
+                <a:cs typeface="+mj-cs"/>
+              </a:defRPr>
+            </a:lvl1pPr>
+          </a:lstStyle>
+          <a:p>
+            <a:r>
+              <a:rPr lang="es-ES_tradnl" altLang="es-MX" sz="3600" b="1" dirty="0">
+                <a:solidFill>
+                  <a:schemeClr val="accent4">
+                    <a:lumMod val="50000"/>
+                  </a:schemeClr>
+                </a:solidFill>
+                <a:effectLst>
+                  <a:outerShdw blurRad="38100" dist="38100" dir="2700000" algn="tl">
+                    <a:srgbClr val="C0C0C0"/>
+                  </a:outerShdw>
+                </a:effectLst>
+                <a:latin typeface="Dom Casual" charset="0"/>
+              </a:rPr>
+              <a:t>Proceso de comunicación TCP / IP</a:t>
+            </a:r>
+          </a:p>
+        </p:txBody>
+      </p:sp>
+      <p:sp>
+        <p:nvSpPr>
+          <p:cNvPr id="9" name="Rectangle 6">
+            <a:extLst>
+              <a:ext uri="{FF2B5EF4-FFF2-40B4-BE49-F238E27FC236}">
+                <a16:creationId xmlns:a16="http://schemas.microsoft.com/office/drawing/2014/main" id="{8C364C4A-933D-4E1F-B01A-2F29A0F48609}"/>
+              </a:ext>
+            </a:extLst>
+          </p:cNvPr>
+          <p:cNvSpPr txBox="1">
+            <a:spLocks noChangeArrowheads="1"/>
+          </p:cNvSpPr>
+          <p:nvPr/>
+        </p:nvSpPr>
+        <p:spPr bwMode="auto">
+          <a:xfrm>
+            <a:off x="549672" y="3187132"/>
+            <a:ext cx="3590280" cy="1723549"/>
+          </a:xfrm>
+          <a:prstGeom prst="rect">
+            <a:avLst/>
+          </a:prstGeom>
+          <a:noFill/>
+          <a:ln>
+            <a:noFill/>
+          </a:ln>
+          <a:extLst>
+            <a:ext uri="{909E8E84-426E-40DD-AFC4-6F175D3DCCD1}">
+              <a14:hiddenFill xmlns:a14="http://schemas.microsoft.com/office/drawing/2010/main">
+                <a:solidFill>
+                  <a:srgbClr val="FFFFFF"/>
+                </a:solidFill>
+              </a14:hiddenFill>
+            </a:ext>
+            <a:ext uri="{91240B29-F687-4F45-9708-019B960494DF}">
+              <a14:hiddenLine xmlns:a14="http://schemas.microsoft.com/office/drawing/2010/main" w="12700">
+                <a:solidFill>
+                  <a:srgbClr val="000000"/>
+                </a:solidFill>
+                <a:miter lim="800000"/>
+                <a:headEnd/>
+                <a:tailEnd/>
+              </a14:hiddenLine>
+            </a:ext>
+          </a:extLst>
+        </p:spPr>
+        <p:txBody>
+          <a:bodyPr vert="horz" wrap="square" lIns="91440" tIns="45720" rIns="182880" bIns="45720" numCol="1" rtlCol="0" anchor="t" anchorCtr="0" compatLnSpc="1">
+            <a:prstTxWarp prst="textNoShape">
+              <a:avLst/>
+            </a:prstTxWarp>
+            <a:spAutoFit/>
+          </a:bodyPr>
+          <a:lstStyle>
+            <a:lvl1pPr marL="169863" indent="-169863" algn="l" defTabSz="914400" rtl="0" eaLnBrk="1" latinLnBrk="0" hangingPunct="1">
+              <a:lnSpc>
+                <a:spcPct val="100000"/>
+              </a:lnSpc>
+              <a:spcBef>
+                <a:spcPts val="600"/>
+              </a:spcBef>
+              <a:spcAft>
+                <a:spcPts val="600"/>
+              </a:spcAft>
+              <a:buFont typeface="Wingdings" panose="05000000000000000000" pitchFamily="2" charset="2"/>
+              <a:buChar char="§"/>
+              <a:defRPr sz="3200" kern="1200">
+                <a:solidFill>
+                  <a:srgbClr val="000000"/>
+                </a:solidFill>
+                <a:latin typeface="+mn-lt"/>
+                <a:ea typeface="+mn-ea"/>
+                <a:cs typeface="+mn-cs"/>
+              </a:defRPr>
+            </a:lvl1pPr>
+            <a:lvl2pPr marL="742950" indent="-285750" algn="l" defTabSz="914400" rtl="0" eaLnBrk="1" latinLnBrk="0" hangingPunct="1">
+              <a:lnSpc>
+                <a:spcPct val="100000"/>
+              </a:lnSpc>
+              <a:spcBef>
+                <a:spcPts val="300"/>
+              </a:spcBef>
+              <a:spcAft>
+                <a:spcPts val="300"/>
+              </a:spcAft>
+              <a:buFont typeface="Arial" pitchFamily="34" charset="0"/>
+              <a:buChar char="–"/>
+              <a:defRPr sz="2800" kern="1200">
+                <a:solidFill>
+                  <a:srgbClr val="000000"/>
+                </a:solidFill>
+                <a:latin typeface="+mn-lt"/>
+                <a:ea typeface="+mn-ea"/>
+                <a:cs typeface="+mn-cs"/>
+              </a:defRPr>
+            </a:lvl2pPr>
+            <a:lvl3pPr marL="1143000" indent="-228600" algn="l" defTabSz="914400" rtl="0" eaLnBrk="1" latinLnBrk="0" hangingPunct="1">
+              <a:lnSpc>
+                <a:spcPct val="100000"/>
+              </a:lnSpc>
+              <a:spcBef>
+                <a:spcPts val="300"/>
+              </a:spcBef>
+              <a:spcAft>
+                <a:spcPts val="300"/>
+              </a:spcAft>
+              <a:buFont typeface="Arial" pitchFamily="34" charset="0"/>
+              <a:buChar char="•"/>
+              <a:defRPr sz="2400" kern="1200">
+                <a:solidFill>
+                  <a:srgbClr val="000000"/>
+                </a:solidFill>
+                <a:latin typeface="+mn-lt"/>
+                <a:ea typeface="+mn-ea"/>
+                <a:cs typeface="+mn-cs"/>
+              </a:defRPr>
+            </a:lvl3pPr>
+            <a:lvl4pPr marL="1600200" indent="-228600" algn="l" defTabSz="914400" rtl="0" eaLnBrk="1" latinLnBrk="0" hangingPunct="1">
+              <a:lnSpc>
+                <a:spcPct val="100000"/>
+              </a:lnSpc>
+              <a:spcBef>
+                <a:spcPts val="300"/>
+              </a:spcBef>
+              <a:spcAft>
+                <a:spcPts val="300"/>
+              </a:spcAft>
+              <a:buFont typeface="Arial" pitchFamily="34" charset="0"/>
+              <a:buChar char="–"/>
+              <a:defRPr sz="2000" kern="1200">
+                <a:solidFill>
+                  <a:srgbClr val="000000"/>
+                </a:solidFill>
+                <a:latin typeface="+mn-lt"/>
+                <a:ea typeface="+mn-ea"/>
+                <a:cs typeface="+mn-cs"/>
+              </a:defRPr>
+            </a:lvl4pPr>
+            <a:lvl5pPr marL="2057400" indent="-228600" algn="l" defTabSz="914400" rtl="0" eaLnBrk="1" latinLnBrk="0" hangingPunct="1">
+              <a:spcBef>
+                <a:spcPct val="20000"/>
+              </a:spcBef>
+              <a:buFont typeface="Arial" pitchFamily="34" charset="0"/>
+              <a:buChar char="»"/>
+              <a:defRPr sz="2000" kern="1200">
+                <a:solidFill>
+                  <a:schemeClr val="tx1"/>
+                </a:solidFill>
+                <a:latin typeface="+mn-lt"/>
+                <a:ea typeface="+mn-ea"/>
+                <a:cs typeface="+mn-cs"/>
+              </a:defRPr>
+            </a:lvl5pPr>
+            <a:lvl6pPr marL="2514600" indent="-228600" algn="l" defTabSz="914400" rtl="0" eaLnBrk="1" latinLnBrk="0" hangingPunct="1">
+              <a:spcBef>
+                <a:spcPct val="20000"/>
+              </a:spcBef>
+              <a:buFont typeface="Arial" pitchFamily="34" charset="0"/>
+              <a:buChar char="•"/>
+              <a:defRPr sz="2000" kern="1200">
+                <a:solidFill>
+                  <a:schemeClr val="tx1"/>
+                </a:solidFill>
+                <a:latin typeface="+mn-lt"/>
+                <a:ea typeface="+mn-ea"/>
+                <a:cs typeface="+mn-cs"/>
+              </a:defRPr>
+            </a:lvl6pPr>
+            <a:lvl7pPr marL="2971800" indent="-228600" algn="l" defTabSz="914400" rtl="0" eaLnBrk="1" latinLnBrk="0" hangingPunct="1">
+              <a:spcBef>
+                <a:spcPct val="20000"/>
+              </a:spcBef>
+              <a:buFont typeface="Arial" pitchFamily="34" charset="0"/>
+              <a:buChar char="•"/>
+              <a:defRPr sz="2000" kern="1200">
+                <a:solidFill>
+                  <a:schemeClr val="tx1"/>
+                </a:solidFill>
+                <a:latin typeface="+mn-lt"/>
+                <a:ea typeface="+mn-ea"/>
+                <a:cs typeface="+mn-cs"/>
+              </a:defRPr>
+            </a:lvl7pPr>
+            <a:lvl8pPr marL="3429000" indent="-228600" algn="l" defTabSz="914400" rtl="0" eaLnBrk="1" latinLnBrk="0" hangingPunct="1">
+              <a:spcBef>
+                <a:spcPct val="20000"/>
+              </a:spcBef>
+              <a:buFont typeface="Arial" pitchFamily="34" charset="0"/>
+              <a:buChar char="•"/>
+              <a:defRPr sz="2000" kern="1200">
+                <a:solidFill>
+                  <a:schemeClr val="tx1"/>
+                </a:solidFill>
+                <a:latin typeface="+mn-lt"/>
+                <a:ea typeface="+mn-ea"/>
+                <a:cs typeface="+mn-cs"/>
+              </a:defRPr>
+            </a:lvl8pPr>
+            <a:lvl9pPr marL="3886200" indent="-228600" algn="l" defTabSz="914400" rtl="0" eaLnBrk="1" latinLnBrk="0" hangingPunct="1">
+              <a:spcBef>
+                <a:spcPct val="20000"/>
+              </a:spcBef>
+              <a:buFont typeface="Arial" pitchFamily="34" charset="0"/>
+              <a:buChar char="•"/>
+              <a:defRPr sz="2000" kern="1200">
+                <a:solidFill>
+                  <a:schemeClr val="tx1"/>
+                </a:solidFill>
+                <a:latin typeface="+mn-lt"/>
+                <a:ea typeface="+mn-ea"/>
+                <a:cs typeface="+mn-cs"/>
+              </a:defRPr>
+            </a:lvl9pPr>
+          </a:lstStyle>
+          <a:p>
+            <a:pPr>
+              <a:buFont typeface="Arial" panose="020B0604020202020204" pitchFamily="34" charset="0"/>
+              <a:buChar char="•"/>
+            </a:pPr>
+            <a:r>
+              <a:rPr lang="es-ES" sz="1600" dirty="0"/>
+              <a:t>A continuación, se añaden las direcciones IP de origen y de destino, y así se crea un paquete IP.</a:t>
+            </a:r>
+          </a:p>
+          <a:p>
+            <a:pPr>
+              <a:buFont typeface="Arial" panose="020B0604020202020204" pitchFamily="34" charset="0"/>
+              <a:buChar char="•"/>
+            </a:pPr>
+            <a:r>
+              <a:rPr lang="es-ES" sz="1600" dirty="0"/>
+              <a:t>La información de Ethernet se agrega para crear la trama de Ethernet o el marco de enlace de datos.</a:t>
+            </a:r>
+          </a:p>
+        </p:txBody>
+      </p:sp>
+    </p:spTree>
+    <p:extLst>
+      <p:ext uri="{BB962C8B-B14F-4D97-AF65-F5344CB8AC3E}">
+        <p14:creationId xmlns:p14="http://schemas.microsoft.com/office/powerpoint/2010/main" val="3625621167"/>
+      </p:ext>
+    </p:extLst>
+  </p:cSld>
+  <p:clrMapOvr>
+    <a:masterClrMapping/>
+  </p:clrMapOvr>
+  <p:transition spd="slow">
+    <p:wipe/>
+  </p:transition>
+</p:sld>
+</file>
+
+<file path=ppt/slides/slide15.xml><?xml version="1.0" encoding="utf-8"?>
+<p:sld xmlns:a="http://schemas.openxmlformats.org/drawingml/2006/main" xmlns:r="http://schemas.openxmlformats.org/officeDocument/2006/relationships" xmlns:p="http://schemas.openxmlformats.org/presentationml/2006/main">
+  <p:cSld>
+    <p:spTree>
+      <p:nvGrpSpPr>
+        <p:cNvPr id="1" name=""/>
+        <p:cNvGrpSpPr/>
+        <p:nvPr/>
+      </p:nvGrpSpPr>
+      <p:grpSpPr>
+        <a:xfrm>
+          <a:off x="0" y="0"/>
+          <a:ext cx="0" cy="0"/>
+          <a:chOff x="0" y="0"/>
+          <a:chExt cx="0" cy="0"/>
+        </a:xfrm>
+      </p:grpSpPr>
+      <p:sp>
+        <p:nvSpPr>
+          <p:cNvPr id="8195" name="Rectangle 6"/>
+          <p:cNvSpPr>
+            <a:spLocks noGrp="1" noChangeArrowheads="1"/>
+          </p:cNvSpPr>
+          <p:nvPr>
+            <p:ph idx="1"/>
+          </p:nvPr>
+        </p:nvSpPr>
+        <p:spPr>
+          <a:xfrm>
+            <a:off x="683568" y="1331640"/>
+            <a:ext cx="7910760" cy="2246769"/>
+          </a:xfrm>
+        </p:spPr>
+        <p:txBody>
+          <a:bodyPr wrap="square">
+            <a:spAutoFit/>
+          </a:bodyPr>
+          <a:lstStyle/>
+          <a:p>
+            <a:pPr marL="0" indent="0">
+              <a:buNone/>
+            </a:pPr>
+            <a:r>
+              <a:rPr lang="es-ES" sz="1600" dirty="0"/>
+              <a:t>Cuando recibe la información encapsulada el cliente procesa y elimina el encabezado de cada protocolo en el orden inverso al que se añadió:</a:t>
+            </a:r>
+          </a:p>
+          <a:p>
+            <a:pPr marL="169863" lvl="1" indent="-169863" algn="just">
+              <a:spcBef>
+                <a:spcPts val="600"/>
+              </a:spcBef>
+              <a:spcAft>
+                <a:spcPts val="600"/>
+              </a:spcAft>
+              <a:buFont typeface="Arial" panose="020B0604020202020204" pitchFamily="34" charset="0"/>
+              <a:buChar char="•"/>
+            </a:pPr>
+            <a:r>
+              <a:rPr lang="es-ES" sz="1600" dirty="0"/>
+              <a:t>primero se elimina el encabezado de Ethernet;</a:t>
+            </a:r>
+          </a:p>
+          <a:p>
+            <a:pPr marL="169863" lvl="1" indent="-169863" algn="just">
+              <a:spcBef>
+                <a:spcPts val="600"/>
+              </a:spcBef>
+              <a:spcAft>
+                <a:spcPts val="600"/>
+              </a:spcAft>
+              <a:buFont typeface="Arial" panose="020B0604020202020204" pitchFamily="34" charset="0"/>
+              <a:buChar char="•"/>
+            </a:pPr>
+            <a:r>
+              <a:rPr lang="es-ES" sz="1600" dirty="0"/>
+              <a:t>luego el encabezado de IP; </a:t>
+            </a:r>
+          </a:p>
+          <a:p>
+            <a:pPr marL="169863" lvl="1" indent="-169863" algn="just">
+              <a:spcBef>
+                <a:spcPts val="600"/>
+              </a:spcBef>
+              <a:spcAft>
+                <a:spcPts val="600"/>
+              </a:spcAft>
+              <a:buFont typeface="Arial" panose="020B0604020202020204" pitchFamily="34" charset="0"/>
+              <a:buChar char="•"/>
+            </a:pPr>
+            <a:r>
+              <a:rPr lang="es-ES" sz="1600" dirty="0"/>
+              <a:t>a continuación, el encabezado de la capa de transporte; </a:t>
+            </a:r>
+          </a:p>
+          <a:p>
+            <a:pPr marL="169863" lvl="1" indent="-169863" algn="just">
+              <a:spcBef>
+                <a:spcPts val="600"/>
+              </a:spcBef>
+              <a:spcAft>
+                <a:spcPts val="600"/>
+              </a:spcAft>
+              <a:buFont typeface="Arial" panose="020B0604020202020204" pitchFamily="34" charset="0"/>
+              <a:buChar char="•"/>
+            </a:pPr>
+            <a:r>
+              <a:rPr lang="es-ES" sz="1600" dirty="0"/>
+              <a:t>finalmente, la información HTTP es procesada y enviada al navegador web del cliente.</a:t>
+            </a:r>
+          </a:p>
+        </p:txBody>
+      </p:sp>
+      <p:sp>
+        <p:nvSpPr>
+          <p:cNvPr id="8" name="Rectangle 2">
+            <a:extLst>
+              <a:ext uri="{FF2B5EF4-FFF2-40B4-BE49-F238E27FC236}">
+                <a16:creationId xmlns:a16="http://schemas.microsoft.com/office/drawing/2014/main" id="{F579998B-A020-4D87-9CA7-595422E286E4}"/>
+              </a:ext>
+            </a:extLst>
+          </p:cNvPr>
+          <p:cNvSpPr txBox="1">
+            <a:spLocks noChangeArrowheads="1"/>
+          </p:cNvSpPr>
+          <p:nvPr/>
+        </p:nvSpPr>
+        <p:spPr bwMode="auto">
+          <a:xfrm>
+            <a:off x="611560" y="188640"/>
+            <a:ext cx="7848872" cy="1143000"/>
+          </a:xfrm>
+          <a:prstGeom prst="rect">
+            <a:avLst/>
+          </a:prstGeom>
+          <a:noFill/>
+          <a:ln>
+            <a:noFill/>
+          </a:ln>
+          <a:extLst>
+            <a:ext uri="{909E8E84-426E-40DD-AFC4-6F175D3DCCD1}">
+              <a14:hiddenFill xmlns:a14="http://schemas.microsoft.com/office/drawing/2010/main">
+                <a:solidFill>
+                  <a:srgbClr val="FFFFFF"/>
+                </a:solidFill>
+              </a14:hiddenFill>
+            </a:ext>
+            <a:ext uri="{91240B29-F687-4F45-9708-019B960494DF}">
+              <a14:hiddenLine xmlns:a14="http://schemas.microsoft.com/office/drawing/2010/main" w="12700">
+                <a:solidFill>
+                  <a:srgbClr val="000000"/>
+                </a:solidFill>
+                <a:miter lim="800000"/>
+                <a:headEnd/>
+                <a:tailEnd/>
+              </a14:hiddenLine>
+            </a:ext>
+          </a:extLst>
+        </p:spPr>
+        <p:txBody>
+          <a:bodyPr vert="horz" wrap="square" lIns="91440" tIns="45720" rIns="91440" bIns="45720" numCol="1" rtlCol="0" anchor="ctr" anchorCtr="0" compatLnSpc="1">
+            <a:prstTxWarp prst="textNoShape">
+              <a:avLst/>
+            </a:prstTxWarp>
+            <a:normAutofit/>
+          </a:bodyPr>
+          <a:lstStyle>
+            <a:lvl1pPr algn="ctr" defTabSz="914400" rtl="0" eaLnBrk="1" latinLnBrk="0" hangingPunct="1">
+              <a:lnSpc>
+                <a:spcPct val="100000"/>
+              </a:lnSpc>
+              <a:spcBef>
+                <a:spcPct val="0"/>
+              </a:spcBef>
+              <a:buNone/>
+              <a:defRPr sz="2400" kern="1200">
+                <a:solidFill>
+                  <a:schemeClr val="tx1"/>
+                </a:solidFill>
+                <a:latin typeface="+mj-lt"/>
+                <a:ea typeface="+mj-ea"/>
+                <a:cs typeface="+mj-cs"/>
+              </a:defRPr>
+            </a:lvl1pPr>
+          </a:lstStyle>
+          <a:p>
+            <a:r>
+              <a:rPr lang="es-ES_tradnl" altLang="es-MX" sz="3600" b="1" dirty="0">
+                <a:solidFill>
+                  <a:schemeClr val="accent4">
+                    <a:lumMod val="50000"/>
+                  </a:schemeClr>
+                </a:solidFill>
+                <a:effectLst>
+                  <a:outerShdw blurRad="38100" dist="38100" dir="2700000" algn="tl">
+                    <a:srgbClr val="C0C0C0"/>
+                  </a:outerShdw>
+                </a:effectLst>
+                <a:latin typeface="Dom Casual" charset="0"/>
+              </a:rPr>
+              <a:t>Proceso de comunicación TCP / IP</a:t>
+            </a:r>
+          </a:p>
+        </p:txBody>
+      </p:sp>
+      <p:pic>
+        <p:nvPicPr>
+          <p:cNvPr id="7" name="Picture 1" descr="Introduction to Networks - Mozilla Firefox">
+            <a:extLst>
+              <a:ext uri="{FF2B5EF4-FFF2-40B4-BE49-F238E27FC236}">
+                <a16:creationId xmlns:a16="http://schemas.microsoft.com/office/drawing/2014/main" id="{86FEF22A-075C-4706-B9B9-5AC2D9B8891B}"/>
+              </a:ext>
+            </a:extLst>
+          </p:cNvPr>
+          <p:cNvPicPr>
+            <a:picLocks noChangeAspect="1"/>
+          </p:cNvPicPr>
+          <p:nvPr/>
+        </p:nvPicPr>
+        <p:blipFill>
+          <a:blip r:embed="rId3"/>
+          <a:stretch>
+            <a:fillRect/>
+          </a:stretch>
+        </p:blipFill>
+        <p:spPr>
+          <a:xfrm>
+            <a:off x="4304358" y="3861048"/>
+            <a:ext cx="4191834" cy="2476163"/>
+          </a:xfrm>
+          <a:prstGeom prst="rect">
+            <a:avLst/>
+          </a:prstGeom>
+        </p:spPr>
+      </p:pic>
+    </p:spTree>
+    <p:extLst>
+      <p:ext uri="{BB962C8B-B14F-4D97-AF65-F5344CB8AC3E}">
+        <p14:creationId xmlns:p14="http://schemas.microsoft.com/office/powerpoint/2010/main" val="749912414"/>
+      </p:ext>
+    </p:extLst>
+  </p:cSld>
+  <p:clrMapOvr>
+    <a:masterClrMapping/>
+  </p:clrMapOvr>
+  <p:transition spd="slow">
+    <p:wipe/>
+  </p:transition>
+</p:sld>
+</file>
+
+<file path=ppt/slides/slide16.xml><?xml version="1.0" encoding="utf-8"?>
+<p:sld xmlns:a="http://schemas.openxmlformats.org/drawingml/2006/main" xmlns:r="http://schemas.openxmlformats.org/officeDocument/2006/relationships" xmlns:p="http://schemas.openxmlformats.org/presentationml/2006/main">
+  <p:cSld>
+    <p:spTree>
+      <p:nvGrpSpPr>
+        <p:cNvPr id="1" name=""/>
+        <p:cNvGrpSpPr/>
+        <p:nvPr/>
+      </p:nvGrpSpPr>
+      <p:grpSpPr>
+        <a:xfrm>
+          <a:off x="0" y="0"/>
+          <a:ext cx="0" cy="0"/>
+          <a:chOff x="0" y="0"/>
+          <a:chExt cx="0" cy="0"/>
+        </a:xfrm>
+      </p:grpSpPr>
+      <p:sp>
+        <p:nvSpPr>
           <p:cNvPr id="14338" name="Rectangle 2"/>
           <p:cNvSpPr>
             <a:spLocks noGrp="1" noChangeArrowheads="1"/>
@@ -4722,7 +7424,7 @@
 </p:sld>
 </file>
 
-<file path=ppt/slides/slide13.xml><?xml version="1.0" encoding="utf-8"?>
+<file path=ppt/slides/slide17.xml><?xml version="1.0" encoding="utf-8"?>
 <p:sld xmlns:a="http://schemas.openxmlformats.org/drawingml/2006/main" xmlns:r="http://schemas.openxmlformats.org/officeDocument/2006/relationships" xmlns:p="http://schemas.openxmlformats.org/presentationml/2006/main">
   <p:cSld>
     <p:spTree>
@@ -4817,697 +7519,6 @@
 </p:sld>
 </file>
 
-<file path=ppt/slides/slide14.xml><?xml version="1.0" encoding="utf-8"?>
-<p:sld xmlns:a="http://schemas.openxmlformats.org/drawingml/2006/main" xmlns:r="http://schemas.openxmlformats.org/officeDocument/2006/relationships" xmlns:p="http://schemas.openxmlformats.org/presentationml/2006/main">
-  <p:cSld>
-    <p:spTree>
-      <p:nvGrpSpPr>
-        <p:cNvPr id="1" name=""/>
-        <p:cNvGrpSpPr/>
-        <p:nvPr/>
-      </p:nvGrpSpPr>
-      <p:grpSpPr>
-        <a:xfrm>
-          <a:off x="0" y="0"/>
-          <a:ext cx="0" cy="0"/>
-          <a:chOff x="0" y="0"/>
-          <a:chExt cx="0" cy="0"/>
-        </a:xfrm>
-      </p:grpSpPr>
-      <p:sp>
-        <p:nvSpPr>
-          <p:cNvPr id="4099" name="Rectangle 3"/>
-          <p:cNvSpPr>
-            <a:spLocks noGrp="1" noChangeArrowheads="1"/>
-          </p:cNvSpPr>
-          <p:nvPr>
-            <p:ph type="body" idx="1"/>
-          </p:nvPr>
-        </p:nvSpPr>
-        <p:spPr>
-          <a:xfrm>
-            <a:off x="323528" y="1196753"/>
-            <a:ext cx="8424936" cy="1872208"/>
-          </a:xfrm>
-        </p:spPr>
-        <p:txBody>
-          <a:bodyPr>
-            <a:normAutofit/>
-          </a:bodyPr>
-          <a:lstStyle/>
-          <a:p>
-            <a:pPr algn="just">
-              <a:lnSpc>
-                <a:spcPct val="150000"/>
-              </a:lnSpc>
-              <a:spcBef>
-                <a:spcPts val="600"/>
-              </a:spcBef>
-            </a:pPr>
-            <a:r>
-              <a:rPr lang="es-MX" altLang="es-MX" sz="1800" noProof="1">
-                <a:solidFill>
-                  <a:schemeClr val="bg2">
-                    <a:lumMod val="25000"/>
-                  </a:schemeClr>
-                </a:solidFill>
-              </a:rPr>
-              <a:t>Aunque los </a:t>
-            </a:r>
-            <a:r>
-              <a:rPr lang="es-MX" altLang="es-MX" sz="1800" b="1" noProof="1">
-                <a:solidFill>
-                  <a:schemeClr val="bg2">
-                    <a:lumMod val="25000"/>
-                  </a:schemeClr>
-                </a:solidFill>
-              </a:rPr>
-              <a:t>protocolos TCP/IP</a:t>
-            </a:r>
-            <a:r>
-              <a:rPr lang="es-MX" altLang="es-MX" sz="1800" noProof="1">
-                <a:solidFill>
-                  <a:schemeClr val="bg2">
-                    <a:lumMod val="25000"/>
-                  </a:schemeClr>
-                </a:solidFill>
-              </a:rPr>
-              <a:t> representan los estándares en base a los cuales se ha desarrollado el </a:t>
-            </a:r>
-            <a:r>
-              <a:rPr lang="es-MX" altLang="es-MX" sz="1800" b="1" noProof="1">
-                <a:solidFill>
-                  <a:schemeClr val="bg2">
-                    <a:lumMod val="25000"/>
-                  </a:schemeClr>
-                </a:solidFill>
-              </a:rPr>
-              <a:t>Internet</a:t>
-            </a:r>
-            <a:r>
-              <a:rPr lang="es-MX" altLang="es-MX" sz="1800" noProof="1">
-                <a:solidFill>
-                  <a:schemeClr val="bg2">
-                    <a:lumMod val="25000"/>
-                  </a:schemeClr>
-                </a:solidFill>
-              </a:rPr>
-              <a:t>, estudiaremos el </a:t>
-            </a:r>
-            <a:r>
-              <a:rPr lang="es-MX" altLang="es-MX" sz="1800" b="1" noProof="1">
-                <a:solidFill>
-                  <a:schemeClr val="bg2">
-                    <a:lumMod val="25000"/>
-                  </a:schemeClr>
-                </a:solidFill>
-              </a:rPr>
-              <a:t>modelo OSI</a:t>
-            </a:r>
-            <a:r>
-              <a:rPr lang="es-MX" altLang="es-MX" sz="1800" noProof="1">
-                <a:solidFill>
-                  <a:schemeClr val="bg2">
-                    <a:lumMod val="25000"/>
-                  </a:schemeClr>
-                </a:solidFill>
-              </a:rPr>
-              <a:t>, ya que es un estándar mundial, genérico, independiente de los protocolos, es más detallado y resulta de mayor utilidad para el diagnóstico de fallas.</a:t>
-            </a:r>
-            <a:endParaRPr lang="es-ES_tradnl" altLang="es-MX" sz="1800" dirty="0">
-              <a:solidFill>
-                <a:schemeClr val="bg2">
-                  <a:lumMod val="25000"/>
-                </a:schemeClr>
-              </a:solidFill>
-            </a:endParaRPr>
-          </a:p>
-        </p:txBody>
-      </p:sp>
-      <p:pic>
-        <p:nvPicPr>
-          <p:cNvPr id="3" name="Imagen 2"/>
-          <p:cNvPicPr>
-            <a:picLocks noChangeAspect="1"/>
-          </p:cNvPicPr>
-          <p:nvPr/>
-        </p:nvPicPr>
-        <p:blipFill>
-          <a:blip r:embed="rId3"/>
-          <a:stretch>
-            <a:fillRect/>
-          </a:stretch>
-        </p:blipFill>
-        <p:spPr>
-          <a:xfrm>
-            <a:off x="4211960" y="3038488"/>
-            <a:ext cx="4535870" cy="3414847"/>
-          </a:xfrm>
-          <a:prstGeom prst="rect">
-            <a:avLst/>
-          </a:prstGeom>
-        </p:spPr>
-      </p:pic>
-      <p:sp>
-        <p:nvSpPr>
-          <p:cNvPr id="6" name="Rectangle 2"/>
-          <p:cNvSpPr txBox="1">
-            <a:spLocks noChangeArrowheads="1"/>
-          </p:cNvSpPr>
-          <p:nvPr/>
-        </p:nvSpPr>
-        <p:spPr>
-          <a:xfrm>
-            <a:off x="1763688" y="53752"/>
-            <a:ext cx="5761038" cy="1143000"/>
-          </a:xfrm>
-          <a:prstGeom prst="rect">
-            <a:avLst/>
-          </a:prstGeom>
-        </p:spPr>
-        <p:txBody>
-          <a:bodyPr vert="horz" lIns="91440" tIns="45720" rIns="91440" bIns="45720" rtlCol="0" anchor="ctr">
-            <a:normAutofit/>
-          </a:bodyPr>
-          <a:lstStyle>
-            <a:lvl1pPr algn="ctr" defTabSz="914400" rtl="0" eaLnBrk="1" latinLnBrk="0" hangingPunct="1">
-              <a:spcBef>
-                <a:spcPct val="0"/>
-              </a:spcBef>
-              <a:buNone/>
-              <a:defRPr sz="4400" kern="1200">
-                <a:solidFill>
-                  <a:schemeClr val="tx1"/>
-                </a:solidFill>
-                <a:latin typeface="+mj-lt"/>
-                <a:ea typeface="+mj-ea"/>
-                <a:cs typeface="+mj-cs"/>
-              </a:defRPr>
-            </a:lvl1pPr>
-          </a:lstStyle>
-          <a:p>
-            <a:r>
-              <a:rPr lang="es-ES_tradnl" altLang="es-MX" sz="3600" b="1" dirty="0">
-                <a:solidFill>
-                  <a:schemeClr val="accent4">
-                    <a:lumMod val="50000"/>
-                  </a:schemeClr>
-                </a:solidFill>
-                <a:effectLst>
-                  <a:outerShdw blurRad="38100" dist="38100" dir="2700000" algn="tl">
-                    <a:srgbClr val="C0C0C0"/>
-                  </a:outerShdw>
-                </a:effectLst>
-                <a:latin typeface="Dom Casual" charset="0"/>
-              </a:rPr>
-              <a:t>Modelo OSI vs TCP/IP</a:t>
-            </a:r>
-          </a:p>
-        </p:txBody>
-      </p:sp>
-      <p:sp>
-        <p:nvSpPr>
-          <p:cNvPr id="7" name="Rectangle 3"/>
-          <p:cNvSpPr txBox="1">
-            <a:spLocks noChangeArrowheads="1"/>
-          </p:cNvSpPr>
-          <p:nvPr/>
-        </p:nvSpPr>
-        <p:spPr>
-          <a:xfrm>
-            <a:off x="323528" y="3068960"/>
-            <a:ext cx="3700341" cy="3547121"/>
-          </a:xfrm>
-          <a:prstGeom prst="rect">
-            <a:avLst/>
-          </a:prstGeom>
-        </p:spPr>
-        <p:txBody>
-          <a:bodyPr vert="horz" lIns="91440" tIns="45720" rIns="91440" bIns="45720" rtlCol="0">
-            <a:normAutofit/>
-          </a:bodyPr>
-          <a:lstStyle>
-            <a:lvl1pPr marL="342900" indent="-342900" algn="l" defTabSz="914400" rtl="0" eaLnBrk="1" latinLnBrk="0" hangingPunct="1">
-              <a:spcBef>
-                <a:spcPct val="20000"/>
-              </a:spcBef>
-              <a:buFont typeface="Arial" pitchFamily="34" charset="0"/>
-              <a:buChar char="•"/>
-              <a:defRPr sz="3200" kern="1200">
-                <a:solidFill>
-                  <a:schemeClr val="tx1"/>
-                </a:solidFill>
-                <a:latin typeface="+mn-lt"/>
-                <a:ea typeface="+mn-ea"/>
-                <a:cs typeface="+mn-cs"/>
-              </a:defRPr>
-            </a:lvl1pPr>
-            <a:lvl2pPr marL="742950" indent="-285750" algn="l" defTabSz="914400" rtl="0" eaLnBrk="1" latinLnBrk="0" hangingPunct="1">
-              <a:spcBef>
-                <a:spcPct val="20000"/>
-              </a:spcBef>
-              <a:buFont typeface="Arial" pitchFamily="34" charset="0"/>
-              <a:buChar char="–"/>
-              <a:defRPr sz="2800" kern="1200">
-                <a:solidFill>
-                  <a:schemeClr val="tx1"/>
-                </a:solidFill>
-                <a:latin typeface="+mn-lt"/>
-                <a:ea typeface="+mn-ea"/>
-                <a:cs typeface="+mn-cs"/>
-              </a:defRPr>
-            </a:lvl2pPr>
-            <a:lvl3pPr marL="1143000" indent="-228600" algn="l" defTabSz="914400" rtl="0" eaLnBrk="1" latinLnBrk="0" hangingPunct="1">
-              <a:spcBef>
-                <a:spcPct val="20000"/>
-              </a:spcBef>
-              <a:buFont typeface="Arial" pitchFamily="34" charset="0"/>
-              <a:buChar char="•"/>
-              <a:defRPr sz="2400" kern="1200">
-                <a:solidFill>
-                  <a:schemeClr val="tx1"/>
-                </a:solidFill>
-                <a:latin typeface="+mn-lt"/>
-                <a:ea typeface="+mn-ea"/>
-                <a:cs typeface="+mn-cs"/>
-              </a:defRPr>
-            </a:lvl3pPr>
-            <a:lvl4pPr marL="1600200" indent="-228600" algn="l" defTabSz="914400" rtl="0" eaLnBrk="1" latinLnBrk="0" hangingPunct="1">
-              <a:spcBef>
-                <a:spcPct val="20000"/>
-              </a:spcBef>
-              <a:buFont typeface="Arial" pitchFamily="34" charset="0"/>
-              <a:buChar char="–"/>
-              <a:defRPr sz="2000" kern="1200">
-                <a:solidFill>
-                  <a:schemeClr val="tx1"/>
-                </a:solidFill>
-                <a:latin typeface="+mn-lt"/>
-                <a:ea typeface="+mn-ea"/>
-                <a:cs typeface="+mn-cs"/>
-              </a:defRPr>
-            </a:lvl4pPr>
-            <a:lvl5pPr marL="2057400" indent="-228600" algn="l" defTabSz="914400" rtl="0" eaLnBrk="1" latinLnBrk="0" hangingPunct="1">
-              <a:spcBef>
-                <a:spcPct val="20000"/>
-              </a:spcBef>
-              <a:buFont typeface="Arial" pitchFamily="34" charset="0"/>
-              <a:buChar char="»"/>
-              <a:defRPr sz="2000" kern="1200">
-                <a:solidFill>
-                  <a:schemeClr val="tx1"/>
-                </a:solidFill>
-                <a:latin typeface="+mn-lt"/>
-                <a:ea typeface="+mn-ea"/>
-                <a:cs typeface="+mn-cs"/>
-              </a:defRPr>
-            </a:lvl5pPr>
-            <a:lvl6pPr marL="2514600" indent="-228600" algn="l" defTabSz="914400" rtl="0" eaLnBrk="1" latinLnBrk="0" hangingPunct="1">
-              <a:spcBef>
-                <a:spcPct val="20000"/>
-              </a:spcBef>
-              <a:buFont typeface="Arial" pitchFamily="34" charset="0"/>
-              <a:buChar char="•"/>
-              <a:defRPr sz="2000" kern="1200">
-                <a:solidFill>
-                  <a:schemeClr val="tx1"/>
-                </a:solidFill>
-                <a:latin typeface="+mn-lt"/>
-                <a:ea typeface="+mn-ea"/>
-                <a:cs typeface="+mn-cs"/>
-              </a:defRPr>
-            </a:lvl6pPr>
-            <a:lvl7pPr marL="2971800" indent="-228600" algn="l" defTabSz="914400" rtl="0" eaLnBrk="1" latinLnBrk="0" hangingPunct="1">
-              <a:spcBef>
-                <a:spcPct val="20000"/>
-              </a:spcBef>
-              <a:buFont typeface="Arial" pitchFamily="34" charset="0"/>
-              <a:buChar char="•"/>
-              <a:defRPr sz="2000" kern="1200">
-                <a:solidFill>
-                  <a:schemeClr val="tx1"/>
-                </a:solidFill>
-                <a:latin typeface="+mn-lt"/>
-                <a:ea typeface="+mn-ea"/>
-                <a:cs typeface="+mn-cs"/>
-              </a:defRPr>
-            </a:lvl7pPr>
-            <a:lvl8pPr marL="3429000" indent="-228600" algn="l" defTabSz="914400" rtl="0" eaLnBrk="1" latinLnBrk="0" hangingPunct="1">
-              <a:spcBef>
-                <a:spcPct val="20000"/>
-              </a:spcBef>
-              <a:buFont typeface="Arial" pitchFamily="34" charset="0"/>
-              <a:buChar char="•"/>
-              <a:defRPr sz="2000" kern="1200">
-                <a:solidFill>
-                  <a:schemeClr val="tx1"/>
-                </a:solidFill>
-                <a:latin typeface="+mn-lt"/>
-                <a:ea typeface="+mn-ea"/>
-                <a:cs typeface="+mn-cs"/>
-              </a:defRPr>
-            </a:lvl8pPr>
-            <a:lvl9pPr marL="3886200" indent="-228600" algn="l" defTabSz="914400" rtl="0" eaLnBrk="1" latinLnBrk="0" hangingPunct="1">
-              <a:spcBef>
-                <a:spcPct val="20000"/>
-              </a:spcBef>
-              <a:buFont typeface="Arial" pitchFamily="34" charset="0"/>
-              <a:buChar char="•"/>
-              <a:defRPr sz="2000" kern="1200">
-                <a:solidFill>
-                  <a:schemeClr val="tx1"/>
-                </a:solidFill>
-                <a:latin typeface="+mn-lt"/>
-                <a:ea typeface="+mn-ea"/>
-                <a:cs typeface="+mn-cs"/>
-              </a:defRPr>
-            </a:lvl9pPr>
-          </a:lstStyle>
-          <a:p>
-            <a:pPr algn="just">
-              <a:lnSpc>
-                <a:spcPct val="150000"/>
-              </a:lnSpc>
-              <a:spcBef>
-                <a:spcPts val="0"/>
-              </a:spcBef>
-            </a:pPr>
-            <a:r>
-              <a:rPr lang="es-MX" altLang="es-MX" sz="1800" dirty="0">
-                <a:solidFill>
-                  <a:schemeClr val="bg2">
-                    <a:lumMod val="25000"/>
-                  </a:schemeClr>
-                </a:solidFill>
-              </a:rPr>
-              <a:t>Utilizaremos el </a:t>
-            </a:r>
-            <a:r>
-              <a:rPr lang="es-MX" altLang="es-MX" sz="1800" b="1" dirty="0">
-                <a:solidFill>
-                  <a:schemeClr val="bg2">
-                    <a:lumMod val="25000"/>
-                  </a:schemeClr>
-                </a:solidFill>
-              </a:rPr>
-              <a:t>modelo OSI </a:t>
-            </a:r>
-            <a:r>
-              <a:rPr lang="es-MX" altLang="es-MX" sz="1800" dirty="0">
-                <a:solidFill>
-                  <a:schemeClr val="bg2">
-                    <a:lumMod val="25000"/>
-                  </a:schemeClr>
-                </a:solidFill>
-              </a:rPr>
-              <a:t>para analizar las redes, pero también utilizaremos los </a:t>
-            </a:r>
-            <a:r>
-              <a:rPr lang="es-MX" altLang="es-MX" sz="1800" b="1" dirty="0">
-                <a:solidFill>
-                  <a:schemeClr val="bg2">
-                    <a:lumMod val="25000"/>
-                  </a:schemeClr>
-                </a:solidFill>
-              </a:rPr>
-              <a:t>protocolos de TCP/IP</a:t>
-            </a:r>
-            <a:r>
-              <a:rPr lang="es-MX" altLang="es-MX" sz="1800" dirty="0">
-                <a:solidFill>
-                  <a:schemeClr val="bg2">
-                    <a:lumMod val="25000"/>
-                  </a:schemeClr>
-                </a:solidFill>
-              </a:rPr>
-              <a:t>. Nos concentraremos en</a:t>
-            </a:r>
-            <a:r>
-              <a:rPr lang="es-MX" sz="1800" dirty="0">
-                <a:solidFill>
-                  <a:schemeClr val="bg2">
-                    <a:lumMod val="25000"/>
-                  </a:schemeClr>
-                </a:solidFill>
-              </a:rPr>
-              <a:t> </a:t>
-            </a:r>
-            <a:r>
-              <a:rPr lang="es-MX" sz="1800" b="1" dirty="0">
-                <a:solidFill>
-                  <a:schemeClr val="bg2">
-                    <a:lumMod val="25000"/>
-                  </a:schemeClr>
-                </a:solidFill>
-              </a:rPr>
-              <a:t>TCP</a:t>
-            </a:r>
-            <a:r>
-              <a:rPr lang="es-MX" sz="1800" dirty="0">
-                <a:solidFill>
-                  <a:schemeClr val="bg2">
-                    <a:lumMod val="25000"/>
-                  </a:schemeClr>
-                </a:solidFill>
-              </a:rPr>
-              <a:t> como un protocolo de Capa 4 de OSI, </a:t>
-            </a:r>
-            <a:r>
-              <a:rPr lang="es-MX" sz="1800" b="1" dirty="0">
-                <a:solidFill>
-                  <a:schemeClr val="bg2">
-                    <a:lumMod val="25000"/>
-                  </a:schemeClr>
-                </a:solidFill>
-              </a:rPr>
-              <a:t>IP</a:t>
-            </a:r>
-            <a:r>
-              <a:rPr lang="es-MX" sz="1800" dirty="0">
-                <a:solidFill>
-                  <a:schemeClr val="bg2">
-                    <a:lumMod val="25000"/>
-                  </a:schemeClr>
-                </a:solidFill>
-              </a:rPr>
-              <a:t> como un protocolo de Capa 3 de OSI y </a:t>
-            </a:r>
-            <a:r>
-              <a:rPr lang="es-MX" sz="1800" b="1" dirty="0">
-                <a:solidFill>
-                  <a:schemeClr val="bg2">
-                    <a:lumMod val="25000"/>
-                  </a:schemeClr>
-                </a:solidFill>
-              </a:rPr>
-              <a:t>Ethernet </a:t>
-            </a:r>
-            <a:r>
-              <a:rPr lang="es-MX" sz="1800" dirty="0">
-                <a:solidFill>
-                  <a:schemeClr val="bg2">
-                    <a:lumMod val="25000"/>
-                  </a:schemeClr>
-                </a:solidFill>
-              </a:rPr>
-              <a:t>como una tecnología de las Capas 2 y 1. </a:t>
-            </a:r>
-            <a:endParaRPr lang="es-ES_tradnl" altLang="es-MX" sz="1800" dirty="0">
-              <a:solidFill>
-                <a:schemeClr val="bg2">
-                  <a:lumMod val="25000"/>
-                </a:schemeClr>
-              </a:solidFill>
-            </a:endParaRPr>
-          </a:p>
-        </p:txBody>
-      </p:sp>
-    </p:spTree>
-    <p:extLst>
-      <p:ext uri="{BB962C8B-B14F-4D97-AF65-F5344CB8AC3E}">
-        <p14:creationId xmlns:p14="http://schemas.microsoft.com/office/powerpoint/2010/main" val="4271719680"/>
-      </p:ext>
-    </p:extLst>
-  </p:cSld>
-  <p:clrMapOvr>
-    <a:masterClrMapping/>
-  </p:clrMapOvr>
-  <p:timing>
-    <p:tnLst>
-      <p:par>
-        <p:cTn id="1" dur="indefinite" restart="never" nodeType="tmRoot">
-          <p:childTnLst>
-            <p:seq concurrent="1" nextAc="seek">
-              <p:cTn id="2" dur="indefinite" nodeType="mainSeq">
-                <p:childTnLst>
-                  <p:par>
-                    <p:cTn id="3" fill="hold">
-                      <p:stCondLst>
-                        <p:cond delay="indefinite"/>
-                      </p:stCondLst>
-                      <p:childTnLst>
-                        <p:par>
-                          <p:cTn id="4" fill="hold">
-                            <p:stCondLst>
-                              <p:cond delay="0"/>
-                            </p:stCondLst>
-                            <p:childTnLst>
-                              <p:par>
-                                <p:cTn id="5" presetID="1" presetClass="entr" presetSubtype="0" fill="hold" grpId="0" nodeType="clickEffect">
-                                  <p:stCondLst>
-                                    <p:cond delay="0"/>
-                                  </p:stCondLst>
-                                  <p:childTnLst>
-                                    <p:set>
-                                      <p:cBhvr>
-                                        <p:cTn id="6" dur="1" fill="hold">
-                                          <p:stCondLst>
-                                            <p:cond delay="0"/>
-                                          </p:stCondLst>
-                                        </p:cTn>
-                                        <p:tgtEl>
-                                          <p:spTgt spid="4099">
-                                            <p:txEl>
-                                              <p:pRg st="0" end="0"/>
-                                            </p:txEl>
-                                          </p:spTgt>
-                                        </p:tgtEl>
-                                        <p:attrNameLst>
-                                          <p:attrName>style.visibility</p:attrName>
-                                        </p:attrNameLst>
-                                      </p:cBhvr>
-                                      <p:to>
-                                        <p:strVal val="visible"/>
-                                      </p:to>
-                                    </p:set>
-                                  </p:childTnLst>
-                                </p:cTn>
-                              </p:par>
-                            </p:childTnLst>
-                          </p:cTn>
-                        </p:par>
-                      </p:childTnLst>
-                    </p:cTn>
-                  </p:par>
-                  <p:par>
-                    <p:cTn id="7" fill="hold">
-                      <p:stCondLst>
-                        <p:cond delay="indefinite"/>
-                      </p:stCondLst>
-                      <p:childTnLst>
-                        <p:par>
-                          <p:cTn id="8" fill="hold">
-                            <p:stCondLst>
-                              <p:cond delay="0"/>
-                            </p:stCondLst>
-                            <p:childTnLst>
-                              <p:par>
-                                <p:cTn id="9" presetID="1" presetClass="entr" presetSubtype="0" fill="hold" nodeType="clickEffect">
-                                  <p:stCondLst>
-                                    <p:cond delay="0"/>
-                                  </p:stCondLst>
-                                  <p:childTnLst>
-                                    <p:set>
-                                      <p:cBhvr>
-                                        <p:cTn id="10" dur="1" fill="hold">
-                                          <p:stCondLst>
-                                            <p:cond delay="0"/>
-                                          </p:stCondLst>
-                                        </p:cTn>
-                                        <p:tgtEl>
-                                          <p:spTgt spid="3"/>
-                                        </p:tgtEl>
-                                        <p:attrNameLst>
-                                          <p:attrName>style.visibility</p:attrName>
-                                        </p:attrNameLst>
-                                      </p:cBhvr>
-                                      <p:to>
-                                        <p:strVal val="visible"/>
-                                      </p:to>
-                                    </p:set>
-                                  </p:childTnLst>
-                                </p:cTn>
-                              </p:par>
-                            </p:childTnLst>
-                          </p:cTn>
-                        </p:par>
-                      </p:childTnLst>
-                    </p:cTn>
-                  </p:par>
-                  <p:par>
-                    <p:cTn id="11" fill="hold">
-                      <p:stCondLst>
-                        <p:cond delay="indefinite"/>
-                      </p:stCondLst>
-                      <p:childTnLst>
-                        <p:par>
-                          <p:cTn id="12" fill="hold">
-                            <p:stCondLst>
-                              <p:cond delay="0"/>
-                            </p:stCondLst>
-                            <p:childTnLst>
-                              <p:par>
-                                <p:cTn id="13" presetID="1" presetClass="entr" presetSubtype="0" fill="hold" grpId="0" nodeType="clickEffect">
-                                  <p:stCondLst>
-                                    <p:cond delay="0"/>
-                                  </p:stCondLst>
-                                  <p:childTnLst>
-                                    <p:set>
-                                      <p:cBhvr>
-                                        <p:cTn id="14" dur="1" fill="hold">
-                                          <p:stCondLst>
-                                            <p:cond delay="0"/>
-                                          </p:stCondLst>
-                                        </p:cTn>
-                                        <p:tgtEl>
-                                          <p:spTgt spid="7"/>
-                                        </p:tgtEl>
-                                        <p:attrNameLst>
-                                          <p:attrName>style.visibility</p:attrName>
-                                        </p:attrNameLst>
-                                      </p:cBhvr>
-                                      <p:to>
-                                        <p:strVal val="visible"/>
-                                      </p:to>
-                                    </p:set>
-                                  </p:childTnLst>
-                                </p:cTn>
-                              </p:par>
-                            </p:childTnLst>
-                          </p:cTn>
-                        </p:par>
-                      </p:childTnLst>
-                    </p:cTn>
-                  </p:par>
-                </p:childTnLst>
-              </p:cTn>
-              <p:prevCondLst>
-                <p:cond evt="onPrev" delay="0">
-                  <p:tgtEl>
-                    <p:sldTgt/>
-                  </p:tgtEl>
-                </p:cond>
-              </p:prevCondLst>
-              <p:nextCondLst>
-                <p:cond evt="onNext" delay="0">
-                  <p:tgtEl>
-                    <p:sldTgt/>
-                  </p:tgtEl>
-                </p:cond>
-              </p:nextCondLst>
-            </p:seq>
-          </p:childTnLst>
-        </p:cTn>
-      </p:par>
-    </p:tnLst>
-    <p:bldLst>
-      <p:bldP spid="4099" grpId="0" build="p"/>
-      <p:bldP spid="7" grpId="0"/>
-    </p:bldLst>
-  </p:timing>
-</p:sld>
-</file>
-
 <file path=ppt/slides/slide2.xml><?xml version="1.0" encoding="utf-8"?>
 <p:sld xmlns:a="http://schemas.openxmlformats.org/drawingml/2006/main" xmlns:r="http://schemas.openxmlformats.org/officeDocument/2006/relationships" xmlns:p="http://schemas.openxmlformats.org/presentationml/2006/main">
   <p:cSld>
@@ -5779,7 +7790,7 @@
           <a:graphicData uri="http://schemas.openxmlformats.org/presentationml/2006/ole">
             <mc:AlternateContent xmlns:mc="http://schemas.openxmlformats.org/markup-compatibility/2006">
               <mc:Choice xmlns:v="urn:schemas-microsoft-com:vml" Requires="v">
-                <p:oleObj spid="_x0000_s5174" name="Bitmap Image" r:id="rId3" imgW="1752475" imgH="2400653" progId="Paint.Picture">
+                <p:oleObj spid="_x0000_s5182" name="Bitmap Image" r:id="rId3" imgW="1752475" imgH="2400653" progId="Paint.Picture">
                   <p:embed/>
                 </p:oleObj>
               </mc:Choice>
@@ -6562,7 +8573,7 @@
           <a:graphicData uri="http://schemas.openxmlformats.org/presentationml/2006/ole">
             <mc:AlternateContent xmlns:mc="http://schemas.openxmlformats.org/markup-compatibility/2006">
               <mc:Choice xmlns:v="urn:schemas-microsoft-com:vml" Requires="v">
-                <p:oleObj spid="_x0000_s23573" name="Imagen de mapa de bits" r:id="rId3" imgW="1609524" imgH="1743318" progId="Paint.Picture">
+                <p:oleObj spid="_x0000_s23581" name="Imagen de mapa de bits" r:id="rId3" imgW="1609524" imgH="1743318" progId="Paint.Picture">
                   <p:embed/>
                 </p:oleObj>
               </mc:Choice>
@@ -6918,7 +8929,7 @@
           <a:graphicData uri="http://schemas.openxmlformats.org/presentationml/2006/ole">
             <mc:AlternateContent xmlns:mc="http://schemas.openxmlformats.org/markup-compatibility/2006">
               <mc:Choice xmlns:v="urn:schemas-microsoft-com:vml" Requires="v">
-                <p:oleObj spid="_x0000_s24597" name="Imagen de mapa de bits" r:id="rId4" imgW="1676634" imgH="1638529" progId="Paint.Picture">
+                <p:oleObj spid="_x0000_s24605" name="Imagen de mapa de bits" r:id="rId4" imgW="1676634" imgH="1638529" progId="Paint.Picture">
                   <p:embed/>
                 </p:oleObj>
               </mc:Choice>
@@ -7212,7 +9223,7 @@
           <a:graphicData uri="http://schemas.openxmlformats.org/presentationml/2006/ole">
             <mc:AlternateContent xmlns:mc="http://schemas.openxmlformats.org/markup-compatibility/2006">
               <mc:Choice xmlns:v="urn:schemas-microsoft-com:vml" Requires="v">
-                <p:oleObj spid="_x0000_s25621" name="Imagen de mapa de bits" r:id="rId4" imgW="1552792" imgH="1638529" progId="Paint.Picture">
+                <p:oleObj spid="_x0000_s25629" name="Imagen de mapa de bits" r:id="rId4" imgW="1552792" imgH="1638529" progId="Paint.Picture">
                   <p:embed/>
                 </p:oleObj>
               </mc:Choice>
@@ -7601,7 +9612,7 @@
           <a:graphicData uri="http://schemas.openxmlformats.org/presentationml/2006/ole">
             <mc:AlternateContent xmlns:mc="http://schemas.openxmlformats.org/markup-compatibility/2006">
               <mc:Choice xmlns:v="urn:schemas-microsoft-com:vml" Requires="v">
-                <p:oleObj spid="_x0000_s26645" name="Imagen de mapa de bits" r:id="rId3" imgW="1514686" imgH="1619476" progId="Paint.Picture">
+                <p:oleObj spid="_x0000_s26653" name="Imagen de mapa de bits" r:id="rId3" imgW="1514686" imgH="1619476" progId="Paint.Picture">
                   <p:embed/>
                 </p:oleObj>
               </mc:Choice>
@@ -7966,7 +9977,7 @@
           <a:graphicData uri="http://schemas.openxmlformats.org/presentationml/2006/ole">
             <mc:AlternateContent xmlns:mc="http://schemas.openxmlformats.org/markup-compatibility/2006">
               <mc:Choice xmlns:v="urn:schemas-microsoft-com:vml" Requires="v">
-                <p:oleObj spid="_x0000_s27669" name="Imagen de mapa de bits" r:id="rId3" imgW="1609524" imgH="1743318" progId="Paint.Picture">
+                <p:oleObj spid="_x0000_s27677" name="Imagen de mapa de bits" r:id="rId3" imgW="1609524" imgH="1743318" progId="Paint.Picture">
                   <p:embed/>
                 </p:oleObj>
               </mc:Choice>
@@ -8277,7 +10288,7 @@
           <a:graphicData uri="http://schemas.openxmlformats.org/presentationml/2006/ole">
             <mc:AlternateContent xmlns:mc="http://schemas.openxmlformats.org/markup-compatibility/2006">
               <mc:Choice xmlns:v="urn:schemas-microsoft-com:vml" Requires="v">
-                <p:oleObj spid="_x0000_s28693" name="Imagen de mapa de bits" r:id="rId4" imgW="1676634" imgH="1638529" progId="Paint.Picture">
+                <p:oleObj spid="_x0000_s28701" name="Imagen de mapa de bits" r:id="rId4" imgW="1676634" imgH="1638529" progId="Paint.Picture">
                   <p:embed/>
                 </p:oleObj>
               </mc:Choice>
